--- a/presentation/Presentazione IUM.pptx
+++ b/presentation/Presentazione IUM.pptx
@@ -12,22 +12,22 @@
   </p:notesMasterIdLst>
   <p:sldIdLst>
     <p:sldId id="494" r:id="rId5"/>
-    <p:sldId id="498" r:id="rId6"/>
-    <p:sldId id="497" r:id="rId7"/>
-    <p:sldId id="416" r:id="rId8"/>
-    <p:sldId id="508" r:id="rId9"/>
-    <p:sldId id="495" r:id="rId10"/>
-    <p:sldId id="362" r:id="rId11"/>
-    <p:sldId id="504" r:id="rId12"/>
-    <p:sldId id="506" r:id="rId13"/>
-    <p:sldId id="499" r:id="rId14"/>
-    <p:sldId id="502" r:id="rId15"/>
-    <p:sldId id="281" r:id="rId16"/>
-    <p:sldId id="503" r:id="rId17"/>
-    <p:sldId id="507" r:id="rId18"/>
-    <p:sldId id="509" r:id="rId19"/>
-    <p:sldId id="496" r:id="rId20"/>
-    <p:sldId id="493" r:id="rId21"/>
+    <p:sldId id="496" r:id="rId6"/>
+    <p:sldId id="493" r:id="rId7"/>
+    <p:sldId id="498" r:id="rId8"/>
+    <p:sldId id="497" r:id="rId9"/>
+    <p:sldId id="416" r:id="rId10"/>
+    <p:sldId id="508" r:id="rId11"/>
+    <p:sldId id="495" r:id="rId12"/>
+    <p:sldId id="362" r:id="rId13"/>
+    <p:sldId id="504" r:id="rId14"/>
+    <p:sldId id="506" r:id="rId15"/>
+    <p:sldId id="499" r:id="rId16"/>
+    <p:sldId id="502" r:id="rId17"/>
+    <p:sldId id="281" r:id="rId18"/>
+    <p:sldId id="503" r:id="rId19"/>
+    <p:sldId id="507" r:id="rId20"/>
+    <p:sldId id="509" r:id="rId21"/>
   </p:sldIdLst>
   <p:sldSz cx="9144000" cy="6858000" type="screen4x3"/>
   <p:notesSz cx="6858000" cy="9144000"/>
@@ -132,6 +132,8 @@
         <p14:section name="Sezione senza titolo" id="{9FC025CA-2EE9-4503-AE72-2E0986A7BCD5}">
           <p14:sldIdLst>
             <p14:sldId id="494"/>
+            <p14:sldId id="496"/>
+            <p14:sldId id="493"/>
             <p14:sldId id="498"/>
             <p14:sldId id="497"/>
             <p14:sldId id="416"/>
@@ -146,8 +148,6 @@
             <p14:sldId id="503"/>
             <p14:sldId id="507"/>
             <p14:sldId id="509"/>
-            <p14:sldId id="496"/>
-            <p14:sldId id="493"/>
           </p14:sldIdLst>
         </p14:section>
       </p14:sectionLst>
@@ -1279,22 +1279,6 @@
           <cx:pt idx="3">Tester</cx:pt>
           <cx:pt idx="4">Tester</cx:pt>
           <cx:pt idx="5">Tester</cx:pt>
-          <cx:pt idx="6"/>
-          <cx:pt idx="7"/>
-          <cx:pt idx="8"/>
-          <cx:pt idx="9"/>
-          <cx:pt idx="10"/>
-          <cx:pt idx="11"/>
-          <cx:pt idx="12"/>
-          <cx:pt idx="13"/>
-          <cx:pt idx="14"/>
-          <cx:pt idx="15"/>
-          <cx:pt idx="16"/>
-          <cx:pt idx="17"/>
-          <cx:pt idx="18"/>
-          <cx:pt idx="19"/>
-          <cx:pt idx="20"/>
-          <cx:pt idx="21"/>
         </cx:lvl>
       </cx:strDim>
       <cx:numDim type="val">
@@ -1319,22 +1303,6 @@
           <cx:pt idx="3">Tester</cx:pt>
           <cx:pt idx="4">Tester</cx:pt>
           <cx:pt idx="5">Tester</cx:pt>
-          <cx:pt idx="6"/>
-          <cx:pt idx="7"/>
-          <cx:pt idx="8"/>
-          <cx:pt idx="9"/>
-          <cx:pt idx="10"/>
-          <cx:pt idx="11"/>
-          <cx:pt idx="12"/>
-          <cx:pt idx="13"/>
-          <cx:pt idx="14"/>
-          <cx:pt idx="15"/>
-          <cx:pt idx="16"/>
-          <cx:pt idx="17"/>
-          <cx:pt idx="18"/>
-          <cx:pt idx="19"/>
-          <cx:pt idx="20"/>
-          <cx:pt idx="21"/>
         </cx:lvl>
       </cx:strDim>
       <cx:numDim type="val">
@@ -1352,22 +1320,6 @@
           <cx:pt idx="3">Tester</cx:pt>
           <cx:pt idx="4">Tester</cx:pt>
           <cx:pt idx="5">Tester</cx:pt>
-          <cx:pt idx="6"/>
-          <cx:pt idx="7"/>
-          <cx:pt idx="8"/>
-          <cx:pt idx="9"/>
-          <cx:pt idx="10"/>
-          <cx:pt idx="11"/>
-          <cx:pt idx="12"/>
-          <cx:pt idx="13"/>
-          <cx:pt idx="14"/>
-          <cx:pt idx="15"/>
-          <cx:pt idx="16"/>
-          <cx:pt idx="17"/>
-          <cx:pt idx="18"/>
-          <cx:pt idx="19"/>
-          <cx:pt idx="20"/>
-          <cx:pt idx="21"/>
         </cx:lvl>
       </cx:strDim>
       <cx:numDim type="val">
@@ -2887,7 +2839,7 @@
       </p:grpSpPr>
       <p:sp>
         <p:nvSpPr>
-          <p:cNvPr id="2" name="Slide Image Placeholder 1"/>
+          <p:cNvPr id="2" name="Segnaposto immagine diapositiva 1"/>
           <p:cNvSpPr>
             <a:spLocks noGrp="1" noRot="1" noChangeAspect="1"/>
           </p:cNvSpPr>
@@ -2895,16 +2847,11 @@
             <p:ph type="sldImg"/>
           </p:nvPr>
         </p:nvSpPr>
-        <p:spPr>
-          <a:xfrm>
-            <a:off x="1371600" y="1143000"/>
-            <a:ext cx="4114800" cy="3086100"/>
-          </a:xfrm>
-        </p:spPr>
-      </p:sp>
-      <p:sp>
-        <p:nvSpPr>
-          <p:cNvPr id="3" name="Notes Placeholder 2"/>
+        <p:spPr/>
+      </p:sp>
+      <p:sp>
+        <p:nvSpPr>
+          <p:cNvPr id="3" name="Segnaposto note 2"/>
           <p:cNvSpPr>
             <a:spLocks noGrp="1"/>
           </p:cNvSpPr>
@@ -2917,18 +2864,18 @@
           <a:bodyPr/>
           <a:lstStyle/>
           <a:p>
-            <a:endParaRPr lang="en-US" dirty="0"/>
-          </a:p>
-        </p:txBody>
-      </p:sp>
-      <p:sp>
-        <p:nvSpPr>
-          <p:cNvPr id="4" name="Slide Number Placeholder 3"/>
+            <a:endParaRPr lang="it-IT" dirty="0"/>
+          </a:p>
+        </p:txBody>
+      </p:sp>
+      <p:sp>
+        <p:nvSpPr>
+          <p:cNvPr id="4" name="Segnaposto numero diapositiva 3"/>
           <p:cNvSpPr>
             <a:spLocks noGrp="1"/>
           </p:cNvSpPr>
           <p:nvPr>
-            <p:ph type="sldNum" sz="quarter" idx="10"/>
+            <p:ph type="sldNum" sz="quarter" idx="5"/>
           </p:nvPr>
         </p:nvSpPr>
         <p:spPr/>
@@ -2938,7 +2885,7 @@
           <a:p>
             <a:fld id="{250503B6-F4CD-DE49-AB30-479371E8558D}" type="slidenum">
               <a:rPr lang="en-US" smtClean="0"/>
-              <a:t>4</a:t>
+              <a:t>3</a:t>
             </a:fld>
             <a:endParaRPr lang="en-US"/>
           </a:p>
@@ -2947,7 +2894,7 @@
     </p:spTree>
     <p:extLst>
       <p:ext uri="{BB962C8B-B14F-4D97-AF65-F5344CB8AC3E}">
-        <p14:creationId xmlns:p14="http://schemas.microsoft.com/office/powerpoint/2010/main" val="1577418325"/>
+        <p14:creationId xmlns:p14="http://schemas.microsoft.com/office/powerpoint/2010/main" val="836766292"/>
       </p:ext>
     </p:extLst>
   </p:cSld>
@@ -3027,7 +2974,7 @@
           <a:p>
             <a:fld id="{250503B6-F4CD-DE49-AB30-479371E8558D}" type="slidenum">
               <a:rPr lang="en-US" smtClean="0"/>
-              <a:t>9</a:t>
+              <a:t>6</a:t>
             </a:fld>
             <a:endParaRPr lang="en-US"/>
           </a:p>
@@ -3036,7 +2983,7 @@
     </p:spTree>
     <p:extLst>
       <p:ext uri="{BB962C8B-B14F-4D97-AF65-F5344CB8AC3E}">
-        <p14:creationId xmlns:p14="http://schemas.microsoft.com/office/powerpoint/2010/main" val="1384610881"/>
+        <p14:creationId xmlns:p14="http://schemas.microsoft.com/office/powerpoint/2010/main" val="1577418325"/>
       </p:ext>
     </p:extLst>
   </p:cSld>
@@ -3116,7 +3063,7 @@
           <a:p>
             <a:fld id="{250503B6-F4CD-DE49-AB30-479371E8558D}" type="slidenum">
               <a:rPr lang="en-US" smtClean="0"/>
-              <a:t>12</a:t>
+              <a:t>11</a:t>
             </a:fld>
             <a:endParaRPr lang="en-US"/>
           </a:p>
@@ -3125,7 +3072,7 @@
     </p:spTree>
     <p:extLst>
       <p:ext uri="{BB962C8B-B14F-4D97-AF65-F5344CB8AC3E}">
-        <p14:creationId xmlns:p14="http://schemas.microsoft.com/office/powerpoint/2010/main" val="1033206202"/>
+        <p14:creationId xmlns:p14="http://schemas.microsoft.com/office/powerpoint/2010/main" val="1384610881"/>
       </p:ext>
     </p:extLst>
   </p:cSld>
@@ -3214,7 +3161,7 @@
     </p:spTree>
     <p:extLst>
       <p:ext uri="{BB962C8B-B14F-4D97-AF65-F5344CB8AC3E}">
-        <p14:creationId xmlns:p14="http://schemas.microsoft.com/office/powerpoint/2010/main" val="4200375130"/>
+        <p14:creationId xmlns:p14="http://schemas.microsoft.com/office/powerpoint/2010/main" val="1033206202"/>
       </p:ext>
     </p:extLst>
   </p:cSld>
@@ -3294,7 +3241,96 @@
           <a:p>
             <a:fld id="{250503B6-F4CD-DE49-AB30-479371E8558D}" type="slidenum">
               <a:rPr lang="en-US" smtClean="0"/>
-              <a:t>15</a:t>
+              <a:t>16</a:t>
+            </a:fld>
+            <a:endParaRPr lang="en-US"/>
+          </a:p>
+        </p:txBody>
+      </p:sp>
+    </p:spTree>
+    <p:extLst>
+      <p:ext uri="{BB962C8B-B14F-4D97-AF65-F5344CB8AC3E}">
+        <p14:creationId xmlns:p14="http://schemas.microsoft.com/office/powerpoint/2010/main" val="4200375130"/>
+      </p:ext>
+    </p:extLst>
+  </p:cSld>
+  <p:clrMapOvr>
+    <a:masterClrMapping/>
+  </p:clrMapOvr>
+</p:notes>
+</file>
+
+<file path=ppt/notesSlides/notesSlide6.xml><?xml version="1.0" encoding="utf-8"?>
+<p:notes xmlns:a="http://schemas.openxmlformats.org/drawingml/2006/main" xmlns:r="http://schemas.openxmlformats.org/officeDocument/2006/relationships" xmlns:p="http://schemas.openxmlformats.org/presentationml/2006/main">
+  <p:cSld>
+    <p:spTree>
+      <p:nvGrpSpPr>
+        <p:cNvPr id="1" name=""/>
+        <p:cNvGrpSpPr/>
+        <p:nvPr/>
+      </p:nvGrpSpPr>
+      <p:grpSpPr>
+        <a:xfrm>
+          <a:off x="0" y="0"/>
+          <a:ext cx="0" cy="0"/>
+          <a:chOff x="0" y="0"/>
+          <a:chExt cx="0" cy="0"/>
+        </a:xfrm>
+      </p:grpSpPr>
+      <p:sp>
+        <p:nvSpPr>
+          <p:cNvPr id="2" name="Slide Image Placeholder 1"/>
+          <p:cNvSpPr>
+            <a:spLocks noGrp="1" noRot="1" noChangeAspect="1"/>
+          </p:cNvSpPr>
+          <p:nvPr>
+            <p:ph type="sldImg"/>
+          </p:nvPr>
+        </p:nvSpPr>
+        <p:spPr>
+          <a:xfrm>
+            <a:off x="1371600" y="1143000"/>
+            <a:ext cx="4114800" cy="3086100"/>
+          </a:xfrm>
+        </p:spPr>
+      </p:sp>
+      <p:sp>
+        <p:nvSpPr>
+          <p:cNvPr id="3" name="Notes Placeholder 2"/>
+          <p:cNvSpPr>
+            <a:spLocks noGrp="1"/>
+          </p:cNvSpPr>
+          <p:nvPr>
+            <p:ph type="body" idx="1"/>
+          </p:nvPr>
+        </p:nvSpPr>
+        <p:spPr/>
+        <p:txBody>
+          <a:bodyPr/>
+          <a:lstStyle/>
+          <a:p>
+            <a:endParaRPr lang="en-US" dirty="0"/>
+          </a:p>
+        </p:txBody>
+      </p:sp>
+      <p:sp>
+        <p:nvSpPr>
+          <p:cNvPr id="4" name="Slide Number Placeholder 3"/>
+          <p:cNvSpPr>
+            <a:spLocks noGrp="1"/>
+          </p:cNvSpPr>
+          <p:nvPr>
+            <p:ph type="sldNum" sz="quarter" idx="10"/>
+          </p:nvPr>
+        </p:nvSpPr>
+        <p:spPr/>
+        <p:txBody>
+          <a:bodyPr/>
+          <a:lstStyle/>
+          <a:p>
+            <a:fld id="{250503B6-F4CD-DE49-AB30-479371E8558D}" type="slidenum">
+              <a:rPr lang="en-US" smtClean="0"/>
+              <a:t>17</a:t>
             </a:fld>
             <a:endParaRPr lang="en-US"/>
           </a:p>
@@ -5825,7 +5861,7 @@
                 <a:ea typeface="Noto Sans" charset="0"/>
                 <a:cs typeface="Noto Sans" charset="0"/>
               </a:rPr>
-              <a:t>IL PROGETTO</a:t>
+              <a:t>CHI SIAMO</a:t>
             </a:r>
           </a:p>
         </p:txBody>
@@ -5940,7 +5976,7 @@
                 <a:ea typeface="Noto Sans" charset="0"/>
                 <a:cs typeface="Noto Sans" charset="0"/>
               </a:rPr>
-              <a:t>MIGLIORAMENTI</a:t>
+              <a:t>I TESTER</a:t>
             </a:r>
           </a:p>
         </p:txBody>
@@ -5980,7 +6016,7 @@
                 <a:ea typeface="Noto Sans" charset="0"/>
                 <a:cs typeface="Noto Sans" charset="0"/>
               </a:rPr>
-              <a:t>CHI SIAMO</a:t>
+              <a:t>I RISULTATI</a:t>
             </a:r>
           </a:p>
         </p:txBody>
@@ -7062,7 +7098,7 @@
                 <a:ea typeface="Noto Sans" charset="0"/>
                 <a:cs typeface="Noto Sans" charset="0"/>
               </a:rPr>
-              <a:t>IL PROGETTO</a:t>
+              <a:t>CHI SIAMO</a:t>
             </a:r>
           </a:p>
         </p:txBody>
@@ -7190,7 +7226,7 @@
                 <a:ea typeface="Noto Sans" charset="0"/>
                 <a:cs typeface="Noto Sans" charset="0"/>
               </a:rPr>
-              <a:t>MIGLIORAMENTI</a:t>
+              <a:t>I TESTER</a:t>
             </a:r>
           </a:p>
         </p:txBody>
@@ -7230,7 +7266,7 @@
                 <a:ea typeface="Noto Sans" charset="0"/>
                 <a:cs typeface="Noto Sans" charset="0"/>
               </a:rPr>
-              <a:t>CHI SIAMO</a:t>
+              <a:t>I RISULTATI</a:t>
             </a:r>
           </a:p>
         </p:txBody>
@@ -7389,7 +7425,7 @@
                 <a:ea typeface="Noto Sans" charset="0"/>
                 <a:cs typeface="Noto Sans" charset="0"/>
               </a:rPr>
-              <a:t>IL PROGETTO</a:t>
+              <a:t>CHI SIAMO</a:t>
             </a:r>
           </a:p>
         </p:txBody>
@@ -7501,7 +7537,7 @@
                 <a:ea typeface="Noto Sans" charset="0"/>
                 <a:cs typeface="Noto Sans" charset="0"/>
               </a:rPr>
-              <a:t>MIGLIORAMENTI</a:t>
+              <a:t>I TESTER</a:t>
             </a:r>
           </a:p>
         </p:txBody>
@@ -7541,7 +7577,7 @@
                 <a:ea typeface="Noto Sans" charset="0"/>
                 <a:cs typeface="Noto Sans" charset="0"/>
               </a:rPr>
-              <a:t>CHI SIAMO</a:t>
+              <a:t>I RISULTATI</a:t>
             </a:r>
           </a:p>
         </p:txBody>
@@ -7700,7 +7736,7 @@
                 <a:ea typeface="Noto Sans" charset="0"/>
                 <a:cs typeface="Noto Sans" charset="0"/>
               </a:rPr>
-              <a:t>IL PROGETTO</a:t>
+              <a:t>CHI SIAMO</a:t>
             </a:r>
           </a:p>
         </p:txBody>
@@ -7775,19 +7811,16 @@
                 <a:ea typeface="Noto Sans" charset="0"/>
                 <a:cs typeface="Noto Sans" charset="0"/>
               </a:rPr>
-              <a:t>GLI </a:t>
-            </a:r>
-            <a:r>
-              <a:rPr lang="en-US" sz="750" spc="120" dirty="0">
-                <a:solidFill>
-                  <a:srgbClr val="858585"/>
-                </a:solidFill>
-                <a:latin typeface="Noto Sans" charset="0"/>
-                <a:ea typeface="Noto Sans" charset="0"/>
-                <a:cs typeface="Noto Sans" charset="0"/>
-              </a:rPr>
-              <a:t>OBIETTIVI</a:t>
-            </a:r>
+              <a:t>GLI OBIETTIVI</a:t>
+            </a:r>
+            <a:endParaRPr lang="en-US" sz="750" spc="120" dirty="0">
+              <a:solidFill>
+                <a:srgbClr val="858585"/>
+              </a:solidFill>
+              <a:latin typeface="Noto Sans" charset="0"/>
+              <a:ea typeface="Noto Sans" charset="0"/>
+              <a:cs typeface="Noto Sans" charset="0"/>
+            </a:endParaRPr>
           </a:p>
         </p:txBody>
       </p:sp>
@@ -7823,7 +7856,7 @@
                 <a:ea typeface="Noto Sans" charset="0"/>
                 <a:cs typeface="Noto Sans" charset="0"/>
               </a:rPr>
-              <a:t>MIGLIORAMENTI</a:t>
+              <a:t>I TESTER</a:t>
             </a:r>
           </a:p>
         </p:txBody>
@@ -7860,7 +7893,7 @@
                 <a:ea typeface="Noto Sans" charset="0"/>
                 <a:cs typeface="Noto Sans" charset="0"/>
               </a:rPr>
-              <a:t>CHI SIAMO</a:t>
+              <a:t>I RISULTATI</a:t>
             </a:r>
           </a:p>
         </p:txBody>
@@ -11549,7 +11582,7 @@
     <p:bg>
       <p:bgPr>
         <a:solidFill>
-          <a:srgbClr val="FF0066"/>
+          <a:srgbClr val="03A9F4"/>
         </a:solidFill>
         <a:effectLst/>
       </p:bgPr>
@@ -11570,37 +11603,842 @@
       </p:grpSpPr>
       <p:sp>
         <p:nvSpPr>
-          <p:cNvPr id="2" name="Titolo 1">
+          <p:cNvPr id="83" name="Figura a mano libera: forma 82">
             <a:extLst>
               <a:ext uri="{FF2B5EF4-FFF2-40B4-BE49-F238E27FC236}">
-                <a16:creationId xmlns:a16="http://schemas.microsoft.com/office/drawing/2014/main" id="{E8139FFA-5418-47A3-90A5-706B8B60C954}"/>
+                <a16:creationId xmlns:a16="http://schemas.microsoft.com/office/drawing/2014/main" id="{56579D94-DD7C-49C4-B318-CF662CF8ABDB}"/>
               </a:ext>
             </a:extLst>
           </p:cNvPr>
-          <p:cNvSpPr>
-            <a:spLocks noGrp="1"/>
-          </p:cNvSpPr>
-          <p:nvPr>
-            <p:ph type="title"/>
-          </p:nvPr>
+          <p:cNvSpPr/>
+          <p:nvPr/>
         </p:nvSpPr>
         <p:spPr>
           <a:xfrm>
-            <a:off x="422174" y="2628221"/>
-            <a:ext cx="4051504" cy="2042102"/>
+            <a:off x="5288281" y="1899922"/>
+            <a:ext cx="3855718" cy="4958079"/>
           </a:xfrm>
+          <a:custGeom>
+            <a:avLst/>
+            <a:gdLst>
+              <a:gd name="connsiteX0" fmla="*/ 1541780 w 3855718"/>
+              <a:gd name="connsiteY0" fmla="*/ 0 h 4958079"/>
+              <a:gd name="connsiteX1" fmla="*/ 2522496 w 3855718"/>
+              <a:gd name="connsiteY1" fmla="*/ 352255 h 4958079"/>
+              <a:gd name="connsiteX2" fmla="*/ 2596523 w 3855718"/>
+              <a:gd name="connsiteY2" fmla="*/ 419571 h 4958079"/>
+              <a:gd name="connsiteX3" fmla="*/ 2597840 w 3855718"/>
+              <a:gd name="connsiteY3" fmla="*/ 418254 h 4958079"/>
+              <a:gd name="connsiteX4" fmla="*/ 2625590 w 3855718"/>
+              <a:gd name="connsiteY4" fmla="*/ 446004 h 4958079"/>
+              <a:gd name="connsiteX5" fmla="*/ 2631984 w 3855718"/>
+              <a:gd name="connsiteY5" fmla="*/ 451818 h 4958079"/>
+              <a:gd name="connsiteX6" fmla="*/ 2637729 w 3855718"/>
+              <a:gd name="connsiteY6" fmla="*/ 458143 h 4958079"/>
+              <a:gd name="connsiteX7" fmla="*/ 3855718 w 3855718"/>
+              <a:gd name="connsiteY7" fmla="*/ 1676132 h 4958079"/>
+              <a:gd name="connsiteX8" fmla="*/ 3855718 w 3855718"/>
+              <a:gd name="connsiteY8" fmla="*/ 4958079 h 4958079"/>
+              <a:gd name="connsiteX9" fmla="*/ 2776854 w 3855718"/>
+              <a:gd name="connsiteY9" fmla="*/ 4958079 h 4958079"/>
+              <a:gd name="connsiteX10" fmla="*/ 457970 w 3855718"/>
+              <a:gd name="connsiteY10" fmla="*/ 2639197 h 4958079"/>
+              <a:gd name="connsiteX11" fmla="*/ 451577 w 3855718"/>
+              <a:gd name="connsiteY11" fmla="*/ 2633383 h 4958079"/>
+              <a:gd name="connsiteX12" fmla="*/ 445831 w 3855718"/>
+              <a:gd name="connsiteY12" fmla="*/ 2627057 h 4958079"/>
+              <a:gd name="connsiteX13" fmla="*/ 417434 w 3855718"/>
+              <a:gd name="connsiteY13" fmla="*/ 2598660 h 4958079"/>
+              <a:gd name="connsiteX14" fmla="*/ 418797 w 3855718"/>
+              <a:gd name="connsiteY14" fmla="*/ 2597297 h 4958079"/>
+              <a:gd name="connsiteX15" fmla="*/ 352067 w 3855718"/>
+              <a:gd name="connsiteY15" fmla="*/ 2523836 h 4958079"/>
+              <a:gd name="connsiteX16" fmla="*/ 0 w 3855718"/>
+              <a:gd name="connsiteY16" fmla="*/ 1542600 h 4958079"/>
+              <a:gd name="connsiteX17" fmla="*/ 1541780 w 3855718"/>
+              <a:gd name="connsiteY17" fmla="*/ 0 h 4958079"/>
+            </a:gdLst>
+            <a:ahLst/>
+            <a:cxnLst>
+              <a:cxn ang="0">
+                <a:pos x="connsiteX0" y="connsiteY0"/>
+              </a:cxn>
+              <a:cxn ang="0">
+                <a:pos x="connsiteX1" y="connsiteY1"/>
+              </a:cxn>
+              <a:cxn ang="0">
+                <a:pos x="connsiteX2" y="connsiteY2"/>
+              </a:cxn>
+              <a:cxn ang="0">
+                <a:pos x="connsiteX3" y="connsiteY3"/>
+              </a:cxn>
+              <a:cxn ang="0">
+                <a:pos x="connsiteX4" y="connsiteY4"/>
+              </a:cxn>
+              <a:cxn ang="0">
+                <a:pos x="connsiteX5" y="connsiteY5"/>
+              </a:cxn>
+              <a:cxn ang="0">
+                <a:pos x="connsiteX6" y="connsiteY6"/>
+              </a:cxn>
+              <a:cxn ang="0">
+                <a:pos x="connsiteX7" y="connsiteY7"/>
+              </a:cxn>
+              <a:cxn ang="0">
+                <a:pos x="connsiteX8" y="connsiteY8"/>
+              </a:cxn>
+              <a:cxn ang="0">
+                <a:pos x="connsiteX9" y="connsiteY9"/>
+              </a:cxn>
+              <a:cxn ang="0">
+                <a:pos x="connsiteX10" y="connsiteY10"/>
+              </a:cxn>
+              <a:cxn ang="0">
+                <a:pos x="connsiteX11" y="connsiteY11"/>
+              </a:cxn>
+              <a:cxn ang="0">
+                <a:pos x="connsiteX12" y="connsiteY12"/>
+              </a:cxn>
+              <a:cxn ang="0">
+                <a:pos x="connsiteX13" y="connsiteY13"/>
+              </a:cxn>
+              <a:cxn ang="0">
+                <a:pos x="connsiteX14" y="connsiteY14"/>
+              </a:cxn>
+              <a:cxn ang="0">
+                <a:pos x="connsiteX15" y="connsiteY15"/>
+              </a:cxn>
+              <a:cxn ang="0">
+                <a:pos x="connsiteX16" y="connsiteY16"/>
+              </a:cxn>
+              <a:cxn ang="0">
+                <a:pos x="connsiteX17" y="connsiteY17"/>
+              </a:cxn>
+            </a:cxnLst>
+            <a:rect l="l" t="t" r="r" b="b"/>
+            <a:pathLst>
+              <a:path w="3855718" h="4958079">
+                <a:moveTo>
+                  <a:pt x="1541780" y="0"/>
+                </a:moveTo>
+                <a:cubicBezTo>
+                  <a:pt x="1914312" y="0"/>
+                  <a:pt x="2255985" y="132194"/>
+                  <a:pt x="2522496" y="352255"/>
+                </a:cubicBezTo>
+                <a:lnTo>
+                  <a:pt x="2596523" y="419571"/>
+                </a:lnTo>
+                <a:lnTo>
+                  <a:pt x="2597840" y="418254"/>
+                </a:lnTo>
+                <a:lnTo>
+                  <a:pt x="2625590" y="446004"/>
+                </a:lnTo>
+                <a:lnTo>
+                  <a:pt x="2631984" y="451818"/>
+                </a:lnTo>
+                <a:lnTo>
+                  <a:pt x="2637729" y="458143"/>
+                </a:lnTo>
+                <a:lnTo>
+                  <a:pt x="3855718" y="1676132"/>
+                </a:lnTo>
+                <a:lnTo>
+                  <a:pt x="3855718" y="4958079"/>
+                </a:lnTo>
+                <a:lnTo>
+                  <a:pt x="2776854" y="4958079"/>
+                </a:lnTo>
+                <a:lnTo>
+                  <a:pt x="457970" y="2639197"/>
+                </a:lnTo>
+                <a:lnTo>
+                  <a:pt x="451577" y="2633383"/>
+                </a:lnTo>
+                <a:lnTo>
+                  <a:pt x="445831" y="2627057"/>
+                </a:lnTo>
+                <a:lnTo>
+                  <a:pt x="417434" y="2598660"/>
+                </a:lnTo>
+                <a:lnTo>
+                  <a:pt x="418797" y="2597297"/>
+                </a:lnTo>
+                <a:lnTo>
+                  <a:pt x="352067" y="2523836"/>
+                </a:lnTo>
+                <a:cubicBezTo>
+                  <a:pt x="132124" y="2257184"/>
+                  <a:pt x="0" y="1915330"/>
+                  <a:pt x="0" y="1542600"/>
+                </a:cubicBezTo>
+                <a:cubicBezTo>
+                  <a:pt x="0" y="690647"/>
+                  <a:pt x="690278" y="0"/>
+                  <a:pt x="1541780" y="0"/>
+                </a:cubicBezTo>
+                <a:close/>
+              </a:path>
+            </a:pathLst>
+          </a:custGeom>
+          <a:gradFill flip="none" rotWithShape="1">
+            <a:gsLst>
+              <a:gs pos="100000">
+                <a:schemeClr val="accent1">
+                  <a:lumMod val="0"/>
+                  <a:lumOff val="100000"/>
+                  <a:alpha val="0"/>
+                </a:schemeClr>
+              </a:gs>
+              <a:gs pos="29000">
+                <a:schemeClr val="tx1">
+                  <a:alpha val="55000"/>
+                </a:schemeClr>
+              </a:gs>
+            </a:gsLst>
+            <a:lin ang="2700000" scaled="0"/>
+            <a:tileRect/>
+          </a:gradFill>
+          <a:ln>
+            <a:noFill/>
+          </a:ln>
+          <a:effectLst>
+            <a:softEdge rad="0"/>
+          </a:effectLst>
         </p:spPr>
-        <p:txBody>
-          <a:bodyPr/>
+        <p:style>
+          <a:lnRef idx="2">
+            <a:schemeClr val="accent1">
+              <a:shade val="50000"/>
+            </a:schemeClr>
+          </a:lnRef>
+          <a:fillRef idx="1">
+            <a:schemeClr val="accent1"/>
+          </a:fillRef>
+          <a:effectRef idx="0">
+            <a:schemeClr val="accent1"/>
+          </a:effectRef>
+          <a:fontRef idx="minor">
+            <a:schemeClr val="lt1"/>
+          </a:fontRef>
+        </p:style>
+        <p:txBody>
+          <a:bodyPr rtlCol="0" anchor="ctr"/>
           <a:lstStyle/>
           <a:p>
-            <a:r>
-              <a:rPr lang="it-IT" dirty="0"/>
-              <a:t>Presentazione progetto di Interazione Uomo-Macchina</a:t>
-            </a:r>
-          </a:p>
-        </p:txBody>
-      </p:sp>
+            <a:pPr algn="ctr"/>
+            <a:endParaRPr lang="it-IT"/>
+          </a:p>
+        </p:txBody>
+      </p:sp>
+      <p:pic>
+        <p:nvPicPr>
+          <p:cNvPr id="75" name="Elemento grafico 74">
+            <a:extLst>
+              <a:ext uri="{FF2B5EF4-FFF2-40B4-BE49-F238E27FC236}">
+                <a16:creationId xmlns:a16="http://schemas.microsoft.com/office/drawing/2014/main" id="{BC295C97-375C-4897-BD79-9BE812A7CFC7}"/>
+              </a:ext>
+            </a:extLst>
+          </p:cNvPr>
+          <p:cNvPicPr>
+            <a:picLocks noChangeAspect="1"/>
+          </p:cNvPicPr>
+          <p:nvPr/>
+        </p:nvPicPr>
+        <p:blipFill>
+          <a:blip r:embed="rId2">
+            <a:extLst>
+              <a:ext uri="{28A0092B-C50C-407E-A947-70E740481C1C}">
+                <a14:useLocalDpi xmlns:a14="http://schemas.microsoft.com/office/drawing/2010/main" val="0"/>
+              </a:ext>
+              <a:ext uri="{96DAC541-7B7A-43D3-8B79-37D633B846F1}">
+                <asvg:svgBlip xmlns:asvg="http://schemas.microsoft.com/office/drawing/2016/SVG/main" r:embed="rId3"/>
+              </a:ext>
+            </a:extLst>
+          </a:blip>
+          <a:stretch>
+            <a:fillRect/>
+          </a:stretch>
+        </p:blipFill>
+        <p:spPr>
+          <a:xfrm>
+            <a:off x="5148000" y="1746000"/>
+            <a:ext cx="3369600" cy="3369600"/>
+          </a:xfrm>
+          <a:prstGeom prst="rect">
+            <a:avLst/>
+          </a:prstGeom>
+        </p:spPr>
+      </p:pic>
+      <p:grpSp>
+        <p:nvGrpSpPr>
+          <p:cNvPr id="44" name="Gruppo 43">
+            <a:extLst>
+              <a:ext uri="{FF2B5EF4-FFF2-40B4-BE49-F238E27FC236}">
+                <a16:creationId xmlns:a16="http://schemas.microsoft.com/office/drawing/2014/main" id="{A7CD6333-18BF-4499-9472-1AF0B7674A10}"/>
+              </a:ext>
+            </a:extLst>
+          </p:cNvPr>
+          <p:cNvGrpSpPr/>
+          <p:nvPr/>
+        </p:nvGrpSpPr>
+        <p:grpSpPr>
+          <a:xfrm>
+            <a:off x="628650" y="2213747"/>
+            <a:ext cx="3943350" cy="2430505"/>
+            <a:chOff x="353702" y="528021"/>
+            <a:chExt cx="3943350" cy="2430505"/>
+          </a:xfrm>
+        </p:grpSpPr>
+        <p:sp>
+          <p:nvSpPr>
+            <p:cNvPr id="35" name="CasellaDiTesto 34">
+              <a:extLst>
+                <a:ext uri="{FF2B5EF4-FFF2-40B4-BE49-F238E27FC236}">
+                  <a16:creationId xmlns:a16="http://schemas.microsoft.com/office/drawing/2014/main" id="{CF1B6803-AAEB-4777-8FE0-74A8A37E3058}"/>
+                </a:ext>
+              </a:extLst>
+            </p:cNvPr>
+            <p:cNvSpPr txBox="1"/>
+            <p:nvPr/>
+          </p:nvSpPr>
+          <p:spPr>
+            <a:xfrm>
+              <a:off x="353703" y="528021"/>
+              <a:ext cx="3943349" cy="507831"/>
+            </a:xfrm>
+            <a:prstGeom prst="rect">
+              <a:avLst/>
+            </a:prstGeom>
+            <a:noFill/>
+          </p:spPr>
+          <p:txBody>
+            <a:bodyPr wrap="square" rtlCol="0">
+              <a:spAutoFit/>
+            </a:bodyPr>
+            <a:lstStyle/>
+            <a:p>
+              <a:pPr algn="ctr" defTabSz="685783">
+                <a:lnSpc>
+                  <a:spcPct val="90000"/>
+                </a:lnSpc>
+                <a:spcBef>
+                  <a:spcPct val="0"/>
+                </a:spcBef>
+              </a:pPr>
+              <a:r>
+                <a:rPr lang="en-US" sz="3000" dirty="0">
+                  <a:solidFill>
+                    <a:schemeClr val="bg1"/>
+                  </a:solidFill>
+                  <a:latin typeface="Roboto Light" charset="0"/>
+                  <a:ea typeface="Roboto Light" charset="0"/>
+                  <a:cs typeface="+mj-cs"/>
+                </a:rPr>
+                <a:t>Usability Test</a:t>
+              </a:r>
+              <a:endParaRPr lang="it-IT" sz="3000" dirty="0">
+                <a:solidFill>
+                  <a:schemeClr val="bg1"/>
+                </a:solidFill>
+                <a:latin typeface="Roboto Light" charset="0"/>
+                <a:ea typeface="Roboto Light" charset="0"/>
+                <a:cs typeface="+mj-cs"/>
+              </a:endParaRPr>
+            </a:p>
+          </p:txBody>
+        </p:sp>
+        <p:sp>
+          <p:nvSpPr>
+            <p:cNvPr id="53" name="CasellaDiTesto 52">
+              <a:extLst>
+                <a:ext uri="{FF2B5EF4-FFF2-40B4-BE49-F238E27FC236}">
+                  <a16:creationId xmlns:a16="http://schemas.microsoft.com/office/drawing/2014/main" id="{4F6FE649-388A-482D-AEDE-7B94250CC982}"/>
+                </a:ext>
+              </a:extLst>
+            </p:cNvPr>
+            <p:cNvSpPr txBox="1"/>
+            <p:nvPr/>
+          </p:nvSpPr>
+          <p:spPr>
+            <a:xfrm>
+              <a:off x="353703" y="1035852"/>
+              <a:ext cx="3943349" cy="369332"/>
+            </a:xfrm>
+            <a:prstGeom prst="rect">
+              <a:avLst/>
+            </a:prstGeom>
+            <a:noFill/>
+          </p:spPr>
+          <p:txBody>
+            <a:bodyPr wrap="square" rtlCol="0">
+              <a:spAutoFit/>
+            </a:bodyPr>
+            <a:lstStyle/>
+            <a:p>
+              <a:pPr algn="ctr" defTabSz="685783">
+                <a:lnSpc>
+                  <a:spcPct val="90000"/>
+                </a:lnSpc>
+                <a:spcBef>
+                  <a:spcPct val="0"/>
+                </a:spcBef>
+              </a:pPr>
+              <a:r>
+                <a:rPr lang="en-US" sz="2000" dirty="0" err="1">
+                  <a:solidFill>
+                    <a:schemeClr val="bg1"/>
+                  </a:solidFill>
+                  <a:latin typeface="Roboto Light" charset="0"/>
+                  <a:ea typeface="Roboto Light" charset="0"/>
+                  <a:cs typeface="+mj-cs"/>
+                </a:rPr>
+                <a:t>Sito</a:t>
+              </a:r>
+              <a:r>
+                <a:rPr lang="en-US" sz="2000" dirty="0">
+                  <a:solidFill>
+                    <a:schemeClr val="bg1"/>
+                  </a:solidFill>
+                  <a:latin typeface="Roboto Light" charset="0"/>
+                  <a:ea typeface="Roboto Light" charset="0"/>
+                  <a:cs typeface="+mj-cs"/>
+                </a:rPr>
+                <a:t> web del </a:t>
+              </a:r>
+              <a:r>
+                <a:rPr lang="en-US" sz="2000" dirty="0" err="1">
+                  <a:solidFill>
+                    <a:schemeClr val="bg1"/>
+                  </a:solidFill>
+                  <a:latin typeface="Roboto Light" charset="0"/>
+                  <a:ea typeface="Roboto Light" charset="0"/>
+                  <a:cs typeface="+mj-cs"/>
+                </a:rPr>
+                <a:t>Comune</a:t>
+              </a:r>
+              <a:r>
+                <a:rPr lang="en-US" sz="2000" dirty="0">
+                  <a:solidFill>
+                    <a:schemeClr val="bg1"/>
+                  </a:solidFill>
+                  <a:latin typeface="Roboto Light" charset="0"/>
+                  <a:ea typeface="Roboto Light" charset="0"/>
+                  <a:cs typeface="+mj-cs"/>
+                </a:rPr>
+                <a:t> di Taranto</a:t>
+              </a:r>
+            </a:p>
+          </p:txBody>
+        </p:sp>
+        <p:sp>
+          <p:nvSpPr>
+            <p:cNvPr id="54" name="CasellaDiTesto 53">
+              <a:extLst>
+                <a:ext uri="{FF2B5EF4-FFF2-40B4-BE49-F238E27FC236}">
+                  <a16:creationId xmlns:a16="http://schemas.microsoft.com/office/drawing/2014/main" id="{3F755B67-52F2-40DB-BCA7-4B0E7D1B3836}"/>
+                </a:ext>
+              </a:extLst>
+            </p:cNvPr>
+            <p:cNvSpPr txBox="1"/>
+            <p:nvPr/>
+          </p:nvSpPr>
+          <p:spPr>
+            <a:xfrm>
+              <a:off x="353702" y="1660174"/>
+              <a:ext cx="3943349" cy="286232"/>
+            </a:xfrm>
+            <a:prstGeom prst="rect">
+              <a:avLst/>
+            </a:prstGeom>
+            <a:noFill/>
+          </p:spPr>
+          <p:txBody>
+            <a:bodyPr wrap="square" rtlCol="0">
+              <a:spAutoFit/>
+            </a:bodyPr>
+            <a:lstStyle/>
+            <a:p>
+              <a:pPr algn="ctr" defTabSz="685783">
+                <a:lnSpc>
+                  <a:spcPct val="90000"/>
+                </a:lnSpc>
+                <a:spcBef>
+                  <a:spcPct val="0"/>
+                </a:spcBef>
+              </a:pPr>
+              <a:r>
+                <a:rPr lang="en-US" sz="1400" dirty="0">
+                  <a:solidFill>
+                    <a:schemeClr val="bg1"/>
+                  </a:solidFill>
+                  <a:latin typeface="Roboto Light" charset="0"/>
+                  <a:ea typeface="Roboto Light" charset="0"/>
+                  <a:cs typeface="+mj-cs"/>
+                </a:rPr>
+                <a:t>FSC – Five Students of Computer Science</a:t>
+              </a:r>
+            </a:p>
+          </p:txBody>
+        </p:sp>
+        <p:sp>
+          <p:nvSpPr>
+            <p:cNvPr id="55" name="CasellaDiTesto 54">
+              <a:extLst>
+                <a:ext uri="{FF2B5EF4-FFF2-40B4-BE49-F238E27FC236}">
+                  <a16:creationId xmlns:a16="http://schemas.microsoft.com/office/drawing/2014/main" id="{B6FE18CF-2B2F-4CD8-8188-2778A329297D}"/>
+                </a:ext>
+              </a:extLst>
+            </p:cNvPr>
+            <p:cNvSpPr txBox="1"/>
+            <p:nvPr/>
+          </p:nvSpPr>
+          <p:spPr>
+            <a:xfrm>
+              <a:off x="666582" y="2201396"/>
+              <a:ext cx="3317590" cy="757130"/>
+            </a:xfrm>
+            <a:prstGeom prst="rect">
+              <a:avLst/>
+            </a:prstGeom>
+            <a:noFill/>
+          </p:spPr>
+          <p:txBody>
+            <a:bodyPr wrap="square" rtlCol="0">
+              <a:spAutoFit/>
+            </a:bodyPr>
+            <a:lstStyle/>
+            <a:p>
+              <a:pPr algn="ctr" defTabSz="685783">
+                <a:lnSpc>
+                  <a:spcPct val="90000"/>
+                </a:lnSpc>
+                <a:spcBef>
+                  <a:spcPct val="0"/>
+                </a:spcBef>
+              </a:pPr>
+              <a:r>
+                <a:rPr lang="en-US" sz="1200" dirty="0" err="1">
+                  <a:solidFill>
+                    <a:schemeClr val="bg1"/>
+                  </a:solidFill>
+                  <a:latin typeface="Roboto Light" charset="0"/>
+                  <a:ea typeface="Roboto Light" charset="0"/>
+                  <a:cs typeface="+mj-cs"/>
+                </a:rPr>
+                <a:t>Università</a:t>
+              </a:r>
+              <a:r>
+                <a:rPr lang="en-US" sz="1200" dirty="0">
+                  <a:solidFill>
+                    <a:schemeClr val="bg1"/>
+                  </a:solidFill>
+                  <a:latin typeface="Roboto Light" charset="0"/>
+                  <a:ea typeface="Roboto Light" charset="0"/>
+                  <a:cs typeface="+mj-cs"/>
+                </a:rPr>
+                <a:t> </a:t>
+              </a:r>
+              <a:r>
+                <a:rPr lang="en-US" sz="1200" dirty="0" err="1">
+                  <a:solidFill>
+                    <a:schemeClr val="bg1"/>
+                  </a:solidFill>
+                  <a:latin typeface="Roboto Light" charset="0"/>
+                  <a:ea typeface="Roboto Light" charset="0"/>
+                  <a:cs typeface="+mj-cs"/>
+                </a:rPr>
+                <a:t>degli</a:t>
+              </a:r>
+              <a:r>
+                <a:rPr lang="en-US" sz="1200" dirty="0">
+                  <a:solidFill>
+                    <a:schemeClr val="bg1"/>
+                  </a:solidFill>
+                  <a:latin typeface="Roboto Light" charset="0"/>
+                  <a:ea typeface="Roboto Light" charset="0"/>
+                  <a:cs typeface="+mj-cs"/>
+                </a:rPr>
+                <a:t> </a:t>
+              </a:r>
+              <a:r>
+                <a:rPr lang="en-US" sz="1200" dirty="0" err="1">
+                  <a:solidFill>
+                    <a:schemeClr val="bg1"/>
+                  </a:solidFill>
+                  <a:latin typeface="Roboto Light" charset="0"/>
+                  <a:ea typeface="Roboto Light" charset="0"/>
+                  <a:cs typeface="+mj-cs"/>
+                </a:rPr>
+                <a:t>Studi</a:t>
+              </a:r>
+              <a:r>
+                <a:rPr lang="en-US" sz="1200" dirty="0">
+                  <a:solidFill>
+                    <a:schemeClr val="bg1"/>
+                  </a:solidFill>
+                  <a:latin typeface="Roboto Light" charset="0"/>
+                  <a:ea typeface="Roboto Light" charset="0"/>
+                  <a:cs typeface="+mj-cs"/>
+                </a:rPr>
+                <a:t> di Bari “A. Moro”</a:t>
+              </a:r>
+            </a:p>
+            <a:p>
+              <a:pPr algn="ctr" defTabSz="685783">
+                <a:lnSpc>
+                  <a:spcPct val="90000"/>
+                </a:lnSpc>
+                <a:spcBef>
+                  <a:spcPct val="0"/>
+                </a:spcBef>
+              </a:pPr>
+              <a:r>
+                <a:rPr lang="en-US" sz="1200" dirty="0" err="1">
+                  <a:solidFill>
+                    <a:schemeClr val="bg1"/>
+                  </a:solidFill>
+                  <a:latin typeface="Roboto Light" charset="0"/>
+                  <a:ea typeface="Roboto Light" charset="0"/>
+                  <a:cs typeface="+mj-cs"/>
+                </a:rPr>
+                <a:t>CdL</a:t>
+              </a:r>
+              <a:r>
+                <a:rPr lang="en-US" sz="1200" dirty="0">
+                  <a:solidFill>
+                    <a:schemeClr val="bg1"/>
+                  </a:solidFill>
+                  <a:latin typeface="Roboto Light" charset="0"/>
+                  <a:ea typeface="Roboto Light" charset="0"/>
+                  <a:cs typeface="+mj-cs"/>
+                </a:rPr>
+                <a:t> in “Informatica e </a:t>
+              </a:r>
+              <a:r>
+                <a:rPr lang="en-US" sz="1200" dirty="0" err="1">
+                  <a:solidFill>
+                    <a:schemeClr val="bg1"/>
+                  </a:solidFill>
+                  <a:latin typeface="Roboto Light" charset="0"/>
+                  <a:ea typeface="Roboto Light" charset="0"/>
+                  <a:cs typeface="+mj-cs"/>
+                </a:rPr>
+                <a:t>Comunicazione</a:t>
+              </a:r>
+              <a:r>
+                <a:rPr lang="en-US" sz="1200" dirty="0">
+                  <a:solidFill>
+                    <a:schemeClr val="bg1"/>
+                  </a:solidFill>
+                  <a:latin typeface="Roboto Light" charset="0"/>
+                  <a:ea typeface="Roboto Light" charset="0"/>
+                  <a:cs typeface="+mj-cs"/>
+                </a:rPr>
+                <a:t> </a:t>
+              </a:r>
+              <a:r>
+                <a:rPr lang="en-US" sz="1200" dirty="0" err="1">
+                  <a:solidFill>
+                    <a:schemeClr val="bg1"/>
+                  </a:solidFill>
+                  <a:latin typeface="Roboto Light" charset="0"/>
+                  <a:ea typeface="Roboto Light" charset="0"/>
+                  <a:cs typeface="+mj-cs"/>
+                </a:rPr>
+                <a:t>Digitale</a:t>
+              </a:r>
+              <a:r>
+                <a:rPr lang="en-US" sz="1200" dirty="0">
+                  <a:solidFill>
+                    <a:schemeClr val="bg1"/>
+                  </a:solidFill>
+                  <a:latin typeface="Roboto Light" charset="0"/>
+                  <a:ea typeface="Roboto Light" charset="0"/>
+                  <a:cs typeface="+mj-cs"/>
+                </a:rPr>
+                <a:t>”</a:t>
+              </a:r>
+            </a:p>
+            <a:p>
+              <a:pPr algn="ctr" defTabSz="685783">
+                <a:lnSpc>
+                  <a:spcPct val="90000"/>
+                </a:lnSpc>
+                <a:spcBef>
+                  <a:spcPct val="0"/>
+                </a:spcBef>
+              </a:pPr>
+              <a:r>
+                <a:rPr lang="en-US" sz="1200" dirty="0">
+                  <a:solidFill>
+                    <a:schemeClr val="bg1"/>
+                  </a:solidFill>
+                  <a:latin typeface="Roboto Light" charset="0"/>
+                  <a:ea typeface="Roboto Light" charset="0"/>
+                  <a:cs typeface="+mj-cs"/>
+                </a:rPr>
+                <a:t>Corso di “</a:t>
+              </a:r>
+              <a:r>
+                <a:rPr lang="en-US" sz="1200" dirty="0" err="1">
+                  <a:solidFill>
+                    <a:schemeClr val="bg1"/>
+                  </a:solidFill>
+                  <a:latin typeface="Roboto Light" charset="0"/>
+                  <a:ea typeface="Roboto Light" charset="0"/>
+                  <a:cs typeface="+mj-cs"/>
+                </a:rPr>
+                <a:t>Interazione</a:t>
+              </a:r>
+              <a:r>
+                <a:rPr lang="en-US" sz="1200" dirty="0">
+                  <a:solidFill>
+                    <a:schemeClr val="bg1"/>
+                  </a:solidFill>
+                  <a:latin typeface="Roboto Light" charset="0"/>
+                  <a:ea typeface="Roboto Light" charset="0"/>
+                  <a:cs typeface="+mj-cs"/>
+                </a:rPr>
+                <a:t> </a:t>
+              </a:r>
+              <a:r>
+                <a:rPr lang="en-US" sz="1200" dirty="0" err="1">
+                  <a:solidFill>
+                    <a:schemeClr val="bg1"/>
+                  </a:solidFill>
+                  <a:latin typeface="Roboto Light" charset="0"/>
+                  <a:ea typeface="Roboto Light" charset="0"/>
+                  <a:cs typeface="+mj-cs"/>
+                </a:rPr>
+                <a:t>Uomo</a:t>
+              </a:r>
+              <a:r>
+                <a:rPr lang="en-US" sz="1200" dirty="0">
+                  <a:solidFill>
+                    <a:schemeClr val="bg1"/>
+                  </a:solidFill>
+                  <a:latin typeface="Roboto Light" charset="0"/>
+                  <a:ea typeface="Roboto Light" charset="0"/>
+                  <a:cs typeface="+mj-cs"/>
+                </a:rPr>
+                <a:t> </a:t>
+              </a:r>
+              <a:r>
+                <a:rPr lang="en-US" sz="1200" dirty="0" err="1">
+                  <a:solidFill>
+                    <a:schemeClr val="bg1"/>
+                  </a:solidFill>
+                  <a:latin typeface="Roboto Light" charset="0"/>
+                  <a:ea typeface="Roboto Light" charset="0"/>
+                  <a:cs typeface="+mj-cs"/>
+                </a:rPr>
+                <a:t>Macchina</a:t>
+              </a:r>
+              <a:r>
+                <a:rPr lang="en-US" sz="1200" dirty="0">
+                  <a:solidFill>
+                    <a:schemeClr val="bg1"/>
+                  </a:solidFill>
+                  <a:latin typeface="Roboto Light" charset="0"/>
+                  <a:ea typeface="Roboto Light" charset="0"/>
+                  <a:cs typeface="+mj-cs"/>
+                </a:rPr>
+                <a:t>” (</a:t>
+              </a:r>
+              <a:r>
+                <a:rPr lang="en-US" sz="1200" dirty="0" err="1">
+                  <a:solidFill>
+                    <a:schemeClr val="bg1"/>
+                  </a:solidFill>
+                  <a:latin typeface="Roboto Light" charset="0"/>
+                  <a:ea typeface="Roboto Light" charset="0"/>
+                  <a:cs typeface="+mj-cs"/>
+                </a:rPr>
+                <a:t>prof.ssa</a:t>
+              </a:r>
+              <a:r>
+                <a:rPr lang="en-US" sz="1200" dirty="0">
+                  <a:solidFill>
+                    <a:schemeClr val="bg1"/>
+                  </a:solidFill>
+                  <a:latin typeface="Roboto Light" charset="0"/>
+                  <a:ea typeface="Roboto Light" charset="0"/>
+                  <a:cs typeface="+mj-cs"/>
+                </a:rPr>
+                <a:t> Rosa </a:t>
+              </a:r>
+              <a:r>
+                <a:rPr lang="en-US" sz="1200" dirty="0" err="1">
+                  <a:solidFill>
+                    <a:schemeClr val="bg1"/>
+                  </a:solidFill>
+                  <a:latin typeface="Roboto Light" charset="0"/>
+                  <a:ea typeface="Roboto Light" charset="0"/>
+                  <a:cs typeface="+mj-cs"/>
+                </a:rPr>
+                <a:t>Lanzilotti</a:t>
+              </a:r>
+              <a:r>
+                <a:rPr lang="en-US" sz="1200" dirty="0">
+                  <a:solidFill>
+                    <a:schemeClr val="bg1"/>
+                  </a:solidFill>
+                  <a:latin typeface="Roboto Light" charset="0"/>
+                  <a:ea typeface="Roboto Light" charset="0"/>
+                  <a:cs typeface="+mj-cs"/>
+                </a:rPr>
+                <a:t>)</a:t>
+              </a:r>
+            </a:p>
+          </p:txBody>
+        </p:sp>
+      </p:grpSp>
+      <p:cxnSp>
+        <p:nvCxnSpPr>
+          <p:cNvPr id="57" name="Connettore diritto 56">
+            <a:extLst>
+              <a:ext uri="{FF2B5EF4-FFF2-40B4-BE49-F238E27FC236}">
+                <a16:creationId xmlns:a16="http://schemas.microsoft.com/office/drawing/2014/main" id="{D4518208-BA68-4663-98AB-1275C2ECA658}"/>
+              </a:ext>
+            </a:extLst>
+          </p:cNvPr>
+          <p:cNvCxnSpPr>
+            <a:cxnSpLocks/>
+          </p:cNvCxnSpPr>
+          <p:nvPr/>
+        </p:nvCxnSpPr>
+        <p:spPr>
+          <a:xfrm>
+            <a:off x="4795933" y="900000"/>
+            <a:ext cx="0" cy="5058000"/>
+          </a:xfrm>
+          <a:prstGeom prst="line">
+            <a:avLst/>
+          </a:prstGeom>
+          <a:ln w="25400" cap="rnd">
+            <a:solidFill>
+              <a:schemeClr val="bg1"/>
+            </a:solidFill>
+            <a:round/>
+          </a:ln>
+        </p:spPr>
+        <p:style>
+          <a:lnRef idx="1">
+            <a:schemeClr val="accent1"/>
+          </a:lnRef>
+          <a:fillRef idx="0">
+            <a:schemeClr val="accent1"/>
+          </a:fillRef>
+          <a:effectRef idx="0">
+            <a:schemeClr val="accent1"/>
+          </a:effectRef>
+          <a:fontRef idx="minor">
+            <a:schemeClr val="tx1"/>
+          </a:fontRef>
+        </p:style>
+      </p:cxnSp>
     </p:spTree>
     <p:extLst>
       <p:ext uri="{BB962C8B-B14F-4D97-AF65-F5344CB8AC3E}">
@@ -11650,12 +12488,1367 @@
             <p:ph type="title"/>
           </p:nvPr>
         </p:nvSpPr>
+        <p:spPr/>
+        <p:txBody>
+          <a:bodyPr/>
+          <a:lstStyle/>
+          <a:p>
+            <a:r>
+              <a:rPr lang="it-IT" dirty="0"/>
+              <a:t>Risultati tasso di successo</a:t>
+            </a:r>
+          </a:p>
+        </p:txBody>
+      </p:sp>
+    </p:spTree>
+    <p:extLst>
+      <p:ext uri="{BB962C8B-B14F-4D97-AF65-F5344CB8AC3E}">
+        <p14:creationId xmlns:p14="http://schemas.microsoft.com/office/powerpoint/2010/main" val="2779180273"/>
+      </p:ext>
+    </p:extLst>
+  </p:cSld>
+  <p:clrMapOvr>
+    <a:masterClrMapping/>
+  </p:clrMapOvr>
+  <p:transition spd="slow">
+    <p:push/>
+  </p:transition>
+</p:sld>
+</file>
+
+<file path=ppt/slides/slide11.xml><?xml version="1.0" encoding="utf-8"?>
+<p:sld xmlns:a="http://schemas.openxmlformats.org/drawingml/2006/main" xmlns:r="http://schemas.openxmlformats.org/officeDocument/2006/relationships" xmlns:p="http://schemas.openxmlformats.org/presentationml/2006/main">
+  <p:cSld>
+    <p:bg>
+      <p:bgPr>
+        <a:solidFill>
+          <a:schemeClr val="bg1"/>
+        </a:solidFill>
+        <a:effectLst/>
+      </p:bgPr>
+    </p:bg>
+    <p:spTree>
+      <p:nvGrpSpPr>
+        <p:cNvPr id="1" name=""/>
+        <p:cNvGrpSpPr/>
+        <p:nvPr/>
+      </p:nvGrpSpPr>
+      <p:grpSpPr>
+        <a:xfrm>
+          <a:off x="0" y="0"/>
+          <a:ext cx="0" cy="0"/>
+          <a:chOff x="0" y="0"/>
+          <a:chExt cx="0" cy="0"/>
+        </a:xfrm>
+      </p:grpSpPr>
+      <p:sp>
+        <p:nvSpPr>
+          <p:cNvPr id="2" name="Title 1"/>
+          <p:cNvSpPr>
+            <a:spLocks noGrp="1"/>
+          </p:cNvSpPr>
+          <p:nvPr>
+            <p:ph type="title"/>
+          </p:nvPr>
+        </p:nvSpPr>
         <p:spPr>
-          <a:xfrm>
-            <a:off x="628650" y="3168995"/>
-            <a:ext cx="4456534" cy="520010"/>
-          </a:xfrm>
+          <a:prstGeom prst="rect">
+            <a:avLst/>
+          </a:prstGeom>
         </p:spPr>
+        <p:txBody>
+          <a:bodyPr/>
+          <a:lstStyle/>
+          <a:p>
+            <a:r>
+              <a:rPr lang="en-US" dirty="0">
+                <a:solidFill>
+                  <a:schemeClr val="bg1"/>
+                </a:solidFill>
+              </a:rPr>
+              <a:t>Tasso di </a:t>
+            </a:r>
+            <a:r>
+              <a:rPr lang="en-US" dirty="0" err="1">
+                <a:solidFill>
+                  <a:schemeClr val="bg1"/>
+                </a:solidFill>
+              </a:rPr>
+              <a:t>successo</a:t>
+            </a:r>
+            <a:endParaRPr lang="en-US" dirty="0">
+              <a:solidFill>
+                <a:schemeClr val="bg1"/>
+              </a:solidFill>
+            </a:endParaRPr>
+          </a:p>
+        </p:txBody>
+      </p:sp>
+      <p:sp>
+        <p:nvSpPr>
+          <p:cNvPr id="4" name="Segnaposto numero diapositiva 2">
+            <a:extLst>
+              <a:ext uri="{FF2B5EF4-FFF2-40B4-BE49-F238E27FC236}">
+                <a16:creationId xmlns:a16="http://schemas.microsoft.com/office/drawing/2014/main" id="{F1C37980-B6A0-4DE3-8CD8-18688219817D}"/>
+              </a:ext>
+            </a:extLst>
+          </p:cNvPr>
+          <p:cNvSpPr>
+            <a:spLocks noGrp="1"/>
+          </p:cNvSpPr>
+          <p:nvPr>
+            <p:ph type="sldNum" sz="quarter" idx="4"/>
+          </p:nvPr>
+        </p:nvSpPr>
+        <p:spPr/>
+        <p:txBody>
+          <a:bodyPr/>
+          <a:lstStyle/>
+          <a:p>
+            <a:fld id="{936C95AE-7298-45E1-9514-94AFF5BED89B}" type="slidenum">
+              <a:rPr lang="en-US" sz="1800" smtClean="0"/>
+              <a:pPr/>
+              <a:t>11</a:t>
+            </a:fld>
+            <a:endParaRPr lang="en-US" sz="1800" dirty="0"/>
+          </a:p>
+        </p:txBody>
+      </p:sp>
+      <p:graphicFrame>
+        <p:nvGraphicFramePr>
+          <p:cNvPr id="3" name="Tabella 2">
+            <a:extLst>
+              <a:ext uri="{FF2B5EF4-FFF2-40B4-BE49-F238E27FC236}">
+                <a16:creationId xmlns:a16="http://schemas.microsoft.com/office/drawing/2014/main" id="{075D4A68-CAAF-4A04-BB6A-099CC7707D41}"/>
+              </a:ext>
+            </a:extLst>
+          </p:cNvPr>
+          <p:cNvGraphicFramePr>
+            <a:graphicFrameLocks noGrp="1"/>
+          </p:cNvGraphicFramePr>
+          <p:nvPr>
+            <p:extLst>
+              <p:ext uri="{D42A27DB-BD31-4B8C-83A1-F6EECF244321}">
+                <p14:modId xmlns:p14="http://schemas.microsoft.com/office/powerpoint/2010/main" val="602880288"/>
+              </p:ext>
+            </p:extLst>
+          </p:nvPr>
+        </p:nvGraphicFramePr>
+        <p:xfrm>
+          <a:off x="682752" y="2230843"/>
+          <a:ext cx="7778496" cy="4053840"/>
+        </p:xfrm>
+        <a:graphic>
+          <a:graphicData uri="http://schemas.openxmlformats.org/drawingml/2006/table">
+            <a:tbl>
+              <a:tblPr firstRow="1" firstCol="1" bandRow="1">
+                <a:tableStyleId>{5C22544A-7EE6-4342-B048-85BDC9FD1C3A}</a:tableStyleId>
+              </a:tblPr>
+              <a:tblGrid>
+                <a:gridCol w="972312">
+                  <a:extLst>
+                    <a:ext uri="{9D8B030D-6E8A-4147-A177-3AD203B41FA5}">
+                      <a16:colId xmlns:a16="http://schemas.microsoft.com/office/drawing/2014/main" val="4196575556"/>
+                    </a:ext>
+                  </a:extLst>
+                </a:gridCol>
+                <a:gridCol w="972312">
+                  <a:extLst>
+                    <a:ext uri="{9D8B030D-6E8A-4147-A177-3AD203B41FA5}">
+                      <a16:colId xmlns:a16="http://schemas.microsoft.com/office/drawing/2014/main" val="701767882"/>
+                    </a:ext>
+                  </a:extLst>
+                </a:gridCol>
+                <a:gridCol w="972312">
+                  <a:extLst>
+                    <a:ext uri="{9D8B030D-6E8A-4147-A177-3AD203B41FA5}">
+                      <a16:colId xmlns:a16="http://schemas.microsoft.com/office/drawing/2014/main" val="1522651625"/>
+                    </a:ext>
+                  </a:extLst>
+                </a:gridCol>
+                <a:gridCol w="972312">
+                  <a:extLst>
+                    <a:ext uri="{9D8B030D-6E8A-4147-A177-3AD203B41FA5}">
+                      <a16:colId xmlns:a16="http://schemas.microsoft.com/office/drawing/2014/main" val="2903379568"/>
+                    </a:ext>
+                  </a:extLst>
+                </a:gridCol>
+                <a:gridCol w="972312">
+                  <a:extLst>
+                    <a:ext uri="{9D8B030D-6E8A-4147-A177-3AD203B41FA5}">
+                      <a16:colId xmlns:a16="http://schemas.microsoft.com/office/drawing/2014/main" val="3582045466"/>
+                    </a:ext>
+                  </a:extLst>
+                </a:gridCol>
+                <a:gridCol w="972312">
+                  <a:extLst>
+                    <a:ext uri="{9D8B030D-6E8A-4147-A177-3AD203B41FA5}">
+                      <a16:colId xmlns:a16="http://schemas.microsoft.com/office/drawing/2014/main" val="486716275"/>
+                    </a:ext>
+                  </a:extLst>
+                </a:gridCol>
+                <a:gridCol w="972312">
+                  <a:extLst>
+                    <a:ext uri="{9D8B030D-6E8A-4147-A177-3AD203B41FA5}">
+                      <a16:colId xmlns:a16="http://schemas.microsoft.com/office/drawing/2014/main" val="977692119"/>
+                    </a:ext>
+                  </a:extLst>
+                </a:gridCol>
+                <a:gridCol w="972312">
+                  <a:extLst>
+                    <a:ext uri="{9D8B030D-6E8A-4147-A177-3AD203B41FA5}">
+                      <a16:colId xmlns:a16="http://schemas.microsoft.com/office/drawing/2014/main" val="1238736244"/>
+                    </a:ext>
+                  </a:extLst>
+                </a:gridCol>
+              </a:tblGrid>
+              <a:tr h="370840">
+                <a:tc>
+                  <a:txBody>
+                    <a:bodyPr/>
+                    <a:lstStyle/>
+                    <a:p>
+                      <a:pPr algn="ctr"/>
+                      <a:endParaRPr lang="it-IT" dirty="0"/>
+                    </a:p>
+                  </a:txBody>
+                  <a:tcPr anchor="ctr"/>
+                </a:tc>
+                <a:tc>
+                  <a:txBody>
+                    <a:bodyPr/>
+                    <a:lstStyle/>
+                    <a:p>
+                      <a:pPr algn="ctr"/>
+                      <a:r>
+                        <a:rPr lang="it-IT" dirty="0"/>
+                        <a:t>Tester 1</a:t>
+                      </a:r>
+                    </a:p>
+                  </a:txBody>
+                  <a:tcPr anchor="ctr"/>
+                </a:tc>
+                <a:tc>
+                  <a:txBody>
+                    <a:bodyPr/>
+                    <a:lstStyle/>
+                    <a:p>
+                      <a:pPr algn="ctr"/>
+                      <a:r>
+                        <a:rPr lang="it-IT" dirty="0"/>
+                        <a:t>Tester 2</a:t>
+                      </a:r>
+                    </a:p>
+                  </a:txBody>
+                  <a:tcPr anchor="ctr"/>
+                </a:tc>
+                <a:tc>
+                  <a:txBody>
+                    <a:bodyPr/>
+                    <a:lstStyle/>
+                    <a:p>
+                      <a:pPr algn="ctr"/>
+                      <a:r>
+                        <a:rPr lang="it-IT" dirty="0"/>
+                        <a:t>Tester 3</a:t>
+                      </a:r>
+                    </a:p>
+                  </a:txBody>
+                  <a:tcPr anchor="ctr"/>
+                </a:tc>
+                <a:tc>
+                  <a:txBody>
+                    <a:bodyPr/>
+                    <a:lstStyle/>
+                    <a:p>
+                      <a:pPr algn="ctr"/>
+                      <a:r>
+                        <a:rPr lang="it-IT" dirty="0"/>
+                        <a:t>Tester 4</a:t>
+                      </a:r>
+                    </a:p>
+                  </a:txBody>
+                  <a:tcPr anchor="ctr"/>
+                </a:tc>
+                <a:tc>
+                  <a:txBody>
+                    <a:bodyPr/>
+                    <a:lstStyle/>
+                    <a:p>
+                      <a:pPr algn="ctr"/>
+                      <a:r>
+                        <a:rPr lang="it-IT" dirty="0"/>
+                        <a:t>Tester 5</a:t>
+                      </a:r>
+                    </a:p>
+                  </a:txBody>
+                  <a:tcPr anchor="ctr"/>
+                </a:tc>
+                <a:tc>
+                  <a:txBody>
+                    <a:bodyPr/>
+                    <a:lstStyle/>
+                    <a:p>
+                      <a:pPr algn="ctr"/>
+                      <a:r>
+                        <a:rPr lang="it-IT" dirty="0"/>
+                        <a:t>Tester 6</a:t>
+                      </a:r>
+                    </a:p>
+                  </a:txBody>
+                  <a:tcPr anchor="ctr"/>
+                </a:tc>
+                <a:tc>
+                  <a:txBody>
+                    <a:bodyPr/>
+                    <a:lstStyle/>
+                    <a:p>
+                      <a:pPr algn="ctr"/>
+                      <a:r>
+                        <a:rPr lang="it-IT" dirty="0"/>
+                        <a:t>Tasso di successo medio per task</a:t>
+                      </a:r>
+                    </a:p>
+                  </a:txBody>
+                  <a:tcPr anchor="ctr"/>
+                </a:tc>
+                <a:extLst>
+                  <a:ext uri="{0D108BD9-81ED-4DB2-BD59-A6C34878D82A}">
+                    <a16:rowId xmlns:a16="http://schemas.microsoft.com/office/drawing/2014/main" val="2761471510"/>
+                  </a:ext>
+                </a:extLst>
+              </a:tr>
+              <a:tr h="370840">
+                <a:tc>
+                  <a:txBody>
+                    <a:bodyPr/>
+                    <a:lstStyle/>
+                    <a:p>
+                      <a:pPr algn="ctr"/>
+                      <a:r>
+                        <a:rPr lang="it-IT" dirty="0"/>
+                        <a:t>Task 1</a:t>
+                      </a:r>
+                    </a:p>
+                  </a:txBody>
+                  <a:tcPr anchor="ctr"/>
+                </a:tc>
+                <a:tc>
+                  <a:txBody>
+                    <a:bodyPr/>
+                    <a:lstStyle/>
+                    <a:p>
+                      <a:pPr algn="ctr"/>
+                      <a:r>
+                        <a:rPr lang="it-IT" dirty="0">
+                          <a:solidFill>
+                            <a:srgbClr val="FF0000"/>
+                          </a:solidFill>
+                        </a:rPr>
+                        <a:t>✗</a:t>
+                      </a:r>
+                    </a:p>
+                  </a:txBody>
+                  <a:tcPr anchor="ctr"/>
+                </a:tc>
+                <a:tc>
+                  <a:txBody>
+                    <a:bodyPr/>
+                    <a:lstStyle/>
+                    <a:p>
+                      <a:pPr algn="ctr"/>
+                      <a:r>
+                        <a:rPr lang="it-IT" dirty="0">
+                          <a:solidFill>
+                            <a:srgbClr val="FF0000"/>
+                          </a:solidFill>
+                        </a:rPr>
+                        <a:t>✗</a:t>
+                      </a:r>
+                    </a:p>
+                  </a:txBody>
+                  <a:tcPr anchor="ctr"/>
+                </a:tc>
+                <a:tc>
+                  <a:txBody>
+                    <a:bodyPr/>
+                    <a:lstStyle/>
+                    <a:p>
+                      <a:pPr algn="ctr"/>
+                      <a:r>
+                        <a:rPr lang="it-IT" dirty="0">
+                          <a:solidFill>
+                            <a:srgbClr val="FF0000"/>
+                          </a:solidFill>
+                        </a:rPr>
+                        <a:t>✗</a:t>
+                      </a:r>
+                    </a:p>
+                  </a:txBody>
+                  <a:tcPr anchor="ctr"/>
+                </a:tc>
+                <a:tc>
+                  <a:txBody>
+                    <a:bodyPr/>
+                    <a:lstStyle/>
+                    <a:p>
+                      <a:pPr algn="ctr"/>
+                      <a:r>
+                        <a:rPr lang="it-IT" dirty="0">
+                          <a:solidFill>
+                            <a:srgbClr val="FF0000"/>
+                          </a:solidFill>
+                        </a:rPr>
+                        <a:t>✗</a:t>
+                      </a:r>
+                    </a:p>
+                  </a:txBody>
+                  <a:tcPr anchor="ctr"/>
+                </a:tc>
+                <a:tc>
+                  <a:txBody>
+                    <a:bodyPr/>
+                    <a:lstStyle/>
+                    <a:p>
+                      <a:pPr algn="ctr"/>
+                      <a:r>
+                        <a:rPr lang="it-IT" dirty="0">
+                          <a:solidFill>
+                            <a:srgbClr val="00B050"/>
+                          </a:solidFill>
+                        </a:rPr>
+                        <a:t>✓</a:t>
+                      </a:r>
+                    </a:p>
+                  </a:txBody>
+                  <a:tcPr anchor="ctr"/>
+                </a:tc>
+                <a:tc>
+                  <a:txBody>
+                    <a:bodyPr/>
+                    <a:lstStyle/>
+                    <a:p>
+                      <a:pPr algn="ctr"/>
+                      <a:r>
+                        <a:rPr lang="it-IT" dirty="0">
+                          <a:solidFill>
+                            <a:srgbClr val="FF0000"/>
+                          </a:solidFill>
+                        </a:rPr>
+                        <a:t>✗</a:t>
+                      </a:r>
+                    </a:p>
+                  </a:txBody>
+                  <a:tcPr anchor="ctr"/>
+                </a:tc>
+                <a:tc>
+                  <a:txBody>
+                    <a:bodyPr/>
+                    <a:lstStyle/>
+                    <a:p>
+                      <a:pPr algn="ctr"/>
+                      <a:r>
+                        <a:rPr lang="it-IT" dirty="0"/>
+                        <a:t>16,67%</a:t>
+                      </a:r>
+                    </a:p>
+                  </a:txBody>
+                  <a:tcPr anchor="ctr"/>
+                </a:tc>
+                <a:extLst>
+                  <a:ext uri="{0D108BD9-81ED-4DB2-BD59-A6C34878D82A}">
+                    <a16:rowId xmlns:a16="http://schemas.microsoft.com/office/drawing/2014/main" val="1207303921"/>
+                  </a:ext>
+                </a:extLst>
+              </a:tr>
+              <a:tr h="370840">
+                <a:tc>
+                  <a:txBody>
+                    <a:bodyPr/>
+                    <a:lstStyle/>
+                    <a:p>
+                      <a:pPr algn="ctr"/>
+                      <a:r>
+                        <a:rPr lang="it-IT" dirty="0"/>
+                        <a:t>Task 2</a:t>
+                      </a:r>
+                    </a:p>
+                  </a:txBody>
+                  <a:tcPr anchor="ctr"/>
+                </a:tc>
+                <a:tc>
+                  <a:txBody>
+                    <a:bodyPr/>
+                    <a:lstStyle/>
+                    <a:p>
+                      <a:pPr algn="ctr"/>
+                      <a:r>
+                        <a:rPr lang="it-IT" dirty="0">
+                          <a:solidFill>
+                            <a:srgbClr val="FF0000"/>
+                          </a:solidFill>
+                        </a:rPr>
+                        <a:t>✗</a:t>
+                      </a:r>
+                    </a:p>
+                  </a:txBody>
+                  <a:tcPr anchor="ctr"/>
+                </a:tc>
+                <a:tc>
+                  <a:txBody>
+                    <a:bodyPr/>
+                    <a:lstStyle/>
+                    <a:p>
+                      <a:pPr algn="ctr"/>
+                      <a:r>
+                        <a:rPr lang="it-IT" dirty="0">
+                          <a:solidFill>
+                            <a:srgbClr val="FF0000"/>
+                          </a:solidFill>
+                        </a:rPr>
+                        <a:t>✗</a:t>
+                      </a:r>
+                    </a:p>
+                  </a:txBody>
+                  <a:tcPr anchor="ctr"/>
+                </a:tc>
+                <a:tc>
+                  <a:txBody>
+                    <a:bodyPr/>
+                    <a:lstStyle/>
+                    <a:p>
+                      <a:pPr algn="ctr"/>
+                      <a:r>
+                        <a:rPr lang="it-IT" dirty="0">
+                          <a:solidFill>
+                            <a:srgbClr val="FF0000"/>
+                          </a:solidFill>
+                        </a:rPr>
+                        <a:t>✗</a:t>
+                      </a:r>
+                    </a:p>
+                  </a:txBody>
+                  <a:tcPr anchor="ctr"/>
+                </a:tc>
+                <a:tc>
+                  <a:txBody>
+                    <a:bodyPr/>
+                    <a:lstStyle/>
+                    <a:p>
+                      <a:pPr algn="ctr"/>
+                      <a:r>
+                        <a:rPr lang="it-IT" dirty="0">
+                          <a:solidFill>
+                            <a:srgbClr val="FF0000"/>
+                          </a:solidFill>
+                        </a:rPr>
+                        <a:t>✗</a:t>
+                      </a:r>
+                    </a:p>
+                  </a:txBody>
+                  <a:tcPr anchor="ctr"/>
+                </a:tc>
+                <a:tc>
+                  <a:txBody>
+                    <a:bodyPr/>
+                    <a:lstStyle/>
+                    <a:p>
+                      <a:pPr algn="ctr"/>
+                      <a:r>
+                        <a:rPr lang="it-IT" dirty="0">
+                          <a:solidFill>
+                            <a:srgbClr val="FF0000"/>
+                          </a:solidFill>
+                        </a:rPr>
+                        <a:t>✗</a:t>
+                      </a:r>
+                    </a:p>
+                  </a:txBody>
+                  <a:tcPr anchor="ctr"/>
+                </a:tc>
+                <a:tc>
+                  <a:txBody>
+                    <a:bodyPr/>
+                    <a:lstStyle/>
+                    <a:p>
+                      <a:pPr algn="ctr"/>
+                      <a:r>
+                        <a:rPr lang="it-IT" dirty="0">
+                          <a:solidFill>
+                            <a:srgbClr val="FF0000"/>
+                          </a:solidFill>
+                        </a:rPr>
+                        <a:t>✗</a:t>
+                      </a:r>
+                    </a:p>
+                  </a:txBody>
+                  <a:tcPr anchor="ctr"/>
+                </a:tc>
+                <a:tc>
+                  <a:txBody>
+                    <a:bodyPr/>
+                    <a:lstStyle/>
+                    <a:p>
+                      <a:pPr algn="ctr"/>
+                      <a:r>
+                        <a:rPr lang="it-IT" dirty="0"/>
+                        <a:t>0,0%</a:t>
+                      </a:r>
+                    </a:p>
+                  </a:txBody>
+                  <a:tcPr anchor="ctr"/>
+                </a:tc>
+                <a:extLst>
+                  <a:ext uri="{0D108BD9-81ED-4DB2-BD59-A6C34878D82A}">
+                    <a16:rowId xmlns:a16="http://schemas.microsoft.com/office/drawing/2014/main" val="1352784320"/>
+                  </a:ext>
+                </a:extLst>
+              </a:tr>
+              <a:tr h="370840">
+                <a:tc>
+                  <a:txBody>
+                    <a:bodyPr/>
+                    <a:lstStyle/>
+                    <a:p>
+                      <a:pPr algn="ctr"/>
+                      <a:r>
+                        <a:rPr lang="it-IT" dirty="0"/>
+                        <a:t>Task 3</a:t>
+                      </a:r>
+                    </a:p>
+                  </a:txBody>
+                  <a:tcPr anchor="ctr"/>
+                </a:tc>
+                <a:tc>
+                  <a:txBody>
+                    <a:bodyPr/>
+                    <a:lstStyle/>
+                    <a:p>
+                      <a:pPr algn="ctr"/>
+                      <a:r>
+                        <a:rPr lang="it-IT" dirty="0">
+                          <a:solidFill>
+                            <a:srgbClr val="00B050"/>
+                          </a:solidFill>
+                        </a:rPr>
+                        <a:t>✓</a:t>
+                      </a:r>
+                    </a:p>
+                  </a:txBody>
+                  <a:tcPr anchor="ctr"/>
+                </a:tc>
+                <a:tc>
+                  <a:txBody>
+                    <a:bodyPr/>
+                    <a:lstStyle/>
+                    <a:p>
+                      <a:pPr algn="ctr"/>
+                      <a:r>
+                        <a:rPr lang="it-IT" dirty="0">
+                          <a:solidFill>
+                            <a:srgbClr val="FF0000"/>
+                          </a:solidFill>
+                        </a:rPr>
+                        <a:t>✗</a:t>
+                      </a:r>
+                    </a:p>
+                  </a:txBody>
+                  <a:tcPr anchor="ctr"/>
+                </a:tc>
+                <a:tc>
+                  <a:txBody>
+                    <a:bodyPr/>
+                    <a:lstStyle/>
+                    <a:p>
+                      <a:pPr algn="ctr"/>
+                      <a:r>
+                        <a:rPr lang="it-IT" dirty="0">
+                          <a:solidFill>
+                            <a:srgbClr val="00B050"/>
+                          </a:solidFill>
+                        </a:rPr>
+                        <a:t>✓</a:t>
+                      </a:r>
+                    </a:p>
+                  </a:txBody>
+                  <a:tcPr anchor="ctr"/>
+                </a:tc>
+                <a:tc>
+                  <a:txBody>
+                    <a:bodyPr/>
+                    <a:lstStyle/>
+                    <a:p>
+                      <a:pPr algn="ctr"/>
+                      <a:r>
+                        <a:rPr lang="it-IT" dirty="0">
+                          <a:solidFill>
+                            <a:srgbClr val="FF0000"/>
+                          </a:solidFill>
+                        </a:rPr>
+                        <a:t>✗</a:t>
+                      </a:r>
+                    </a:p>
+                  </a:txBody>
+                  <a:tcPr anchor="ctr"/>
+                </a:tc>
+                <a:tc>
+                  <a:txBody>
+                    <a:bodyPr/>
+                    <a:lstStyle/>
+                    <a:p>
+                      <a:pPr algn="ctr"/>
+                      <a:r>
+                        <a:rPr lang="it-IT" dirty="0">
+                          <a:solidFill>
+                            <a:srgbClr val="00B050"/>
+                          </a:solidFill>
+                        </a:rPr>
+                        <a:t>✓</a:t>
+                      </a:r>
+                    </a:p>
+                  </a:txBody>
+                  <a:tcPr anchor="ctr"/>
+                </a:tc>
+                <a:tc>
+                  <a:txBody>
+                    <a:bodyPr/>
+                    <a:lstStyle/>
+                    <a:p>
+                      <a:pPr algn="ctr"/>
+                      <a:r>
+                        <a:rPr lang="it-IT" dirty="0">
+                          <a:solidFill>
+                            <a:srgbClr val="00B050"/>
+                          </a:solidFill>
+                        </a:rPr>
+                        <a:t>✓</a:t>
+                      </a:r>
+                    </a:p>
+                  </a:txBody>
+                  <a:tcPr anchor="ctr"/>
+                </a:tc>
+                <a:tc>
+                  <a:txBody>
+                    <a:bodyPr/>
+                    <a:lstStyle/>
+                    <a:p>
+                      <a:pPr algn="ctr"/>
+                      <a:r>
+                        <a:rPr lang="it-IT" dirty="0"/>
+                        <a:t>66,67%</a:t>
+                      </a:r>
+                    </a:p>
+                  </a:txBody>
+                  <a:tcPr anchor="ctr"/>
+                </a:tc>
+                <a:extLst>
+                  <a:ext uri="{0D108BD9-81ED-4DB2-BD59-A6C34878D82A}">
+                    <a16:rowId xmlns:a16="http://schemas.microsoft.com/office/drawing/2014/main" val="2048543692"/>
+                  </a:ext>
+                </a:extLst>
+              </a:tr>
+              <a:tr h="370840">
+                <a:tc>
+                  <a:txBody>
+                    <a:bodyPr/>
+                    <a:lstStyle/>
+                    <a:p>
+                      <a:pPr algn="ctr"/>
+                      <a:r>
+                        <a:rPr lang="it-IT" dirty="0"/>
+                        <a:t>Task 4</a:t>
+                      </a:r>
+                    </a:p>
+                  </a:txBody>
+                  <a:tcPr anchor="ctr"/>
+                </a:tc>
+                <a:tc>
+                  <a:txBody>
+                    <a:bodyPr/>
+                    <a:lstStyle/>
+                    <a:p>
+                      <a:pPr algn="ctr"/>
+                      <a:r>
+                        <a:rPr lang="it-IT" dirty="0">
+                          <a:solidFill>
+                            <a:srgbClr val="FF0000"/>
+                          </a:solidFill>
+                        </a:rPr>
+                        <a:t>✗</a:t>
+                      </a:r>
+                    </a:p>
+                  </a:txBody>
+                  <a:tcPr anchor="ctr"/>
+                </a:tc>
+                <a:tc>
+                  <a:txBody>
+                    <a:bodyPr/>
+                    <a:lstStyle/>
+                    <a:p>
+                      <a:pPr algn="ctr"/>
+                      <a:r>
+                        <a:rPr lang="it-IT" dirty="0">
+                          <a:solidFill>
+                            <a:srgbClr val="FF0000"/>
+                          </a:solidFill>
+                        </a:rPr>
+                        <a:t>✗</a:t>
+                      </a:r>
+                    </a:p>
+                  </a:txBody>
+                  <a:tcPr anchor="ctr"/>
+                </a:tc>
+                <a:tc>
+                  <a:txBody>
+                    <a:bodyPr/>
+                    <a:lstStyle/>
+                    <a:p>
+                      <a:pPr algn="ctr"/>
+                      <a:r>
+                        <a:rPr lang="it-IT" dirty="0">
+                          <a:solidFill>
+                            <a:srgbClr val="FF0000"/>
+                          </a:solidFill>
+                        </a:rPr>
+                        <a:t>✗</a:t>
+                      </a:r>
+                    </a:p>
+                  </a:txBody>
+                  <a:tcPr anchor="ctr"/>
+                </a:tc>
+                <a:tc>
+                  <a:txBody>
+                    <a:bodyPr/>
+                    <a:lstStyle/>
+                    <a:p>
+                      <a:pPr algn="ctr"/>
+                      <a:r>
+                        <a:rPr lang="it-IT" dirty="0">
+                          <a:solidFill>
+                            <a:srgbClr val="00B050"/>
+                          </a:solidFill>
+                        </a:rPr>
+                        <a:t>✓</a:t>
+                      </a:r>
+                    </a:p>
+                  </a:txBody>
+                  <a:tcPr anchor="ctr"/>
+                </a:tc>
+                <a:tc>
+                  <a:txBody>
+                    <a:bodyPr/>
+                    <a:lstStyle/>
+                    <a:p>
+                      <a:pPr algn="ctr"/>
+                      <a:r>
+                        <a:rPr lang="it-IT" dirty="0">
+                          <a:solidFill>
+                            <a:srgbClr val="FF0000"/>
+                          </a:solidFill>
+                        </a:rPr>
+                        <a:t>✗</a:t>
+                      </a:r>
+                    </a:p>
+                  </a:txBody>
+                  <a:tcPr anchor="ctr"/>
+                </a:tc>
+                <a:tc>
+                  <a:txBody>
+                    <a:bodyPr/>
+                    <a:lstStyle/>
+                    <a:p>
+                      <a:pPr algn="ctr"/>
+                      <a:r>
+                        <a:rPr lang="it-IT" dirty="0">
+                          <a:solidFill>
+                            <a:srgbClr val="00B050"/>
+                          </a:solidFill>
+                        </a:rPr>
+                        <a:t>✓</a:t>
+                      </a:r>
+                    </a:p>
+                  </a:txBody>
+                  <a:tcPr anchor="ctr"/>
+                </a:tc>
+                <a:tc>
+                  <a:txBody>
+                    <a:bodyPr/>
+                    <a:lstStyle/>
+                    <a:p>
+                      <a:pPr algn="ctr"/>
+                      <a:r>
+                        <a:rPr lang="it-IT" dirty="0"/>
+                        <a:t>33,33%</a:t>
+                      </a:r>
+                    </a:p>
+                  </a:txBody>
+                  <a:tcPr anchor="ctr"/>
+                </a:tc>
+                <a:extLst>
+                  <a:ext uri="{0D108BD9-81ED-4DB2-BD59-A6C34878D82A}">
+                    <a16:rowId xmlns:a16="http://schemas.microsoft.com/office/drawing/2014/main" val="2079249739"/>
+                  </a:ext>
+                </a:extLst>
+              </a:tr>
+              <a:tr h="370840">
+                <a:tc>
+                  <a:txBody>
+                    <a:bodyPr/>
+                    <a:lstStyle/>
+                    <a:p>
+                      <a:pPr algn="ctr"/>
+                      <a:r>
+                        <a:rPr lang="it-IT" dirty="0"/>
+                        <a:t>Task 5</a:t>
+                      </a:r>
+                    </a:p>
+                  </a:txBody>
+                  <a:tcPr anchor="ctr"/>
+                </a:tc>
+                <a:tc>
+                  <a:txBody>
+                    <a:bodyPr/>
+                    <a:lstStyle/>
+                    <a:p>
+                      <a:pPr algn="ctr"/>
+                      <a:r>
+                        <a:rPr lang="it-IT" dirty="0">
+                          <a:solidFill>
+                            <a:srgbClr val="FF0000"/>
+                          </a:solidFill>
+                        </a:rPr>
+                        <a:t>✗</a:t>
+                      </a:r>
+                    </a:p>
+                  </a:txBody>
+                  <a:tcPr anchor="ctr"/>
+                </a:tc>
+                <a:tc>
+                  <a:txBody>
+                    <a:bodyPr/>
+                    <a:lstStyle/>
+                    <a:p>
+                      <a:pPr algn="ctr"/>
+                      <a:r>
+                        <a:rPr lang="it-IT" dirty="0">
+                          <a:solidFill>
+                            <a:srgbClr val="FF0000"/>
+                          </a:solidFill>
+                        </a:rPr>
+                        <a:t>✗</a:t>
+                      </a:r>
+                    </a:p>
+                  </a:txBody>
+                  <a:tcPr anchor="ctr"/>
+                </a:tc>
+                <a:tc>
+                  <a:txBody>
+                    <a:bodyPr/>
+                    <a:lstStyle/>
+                    <a:p>
+                      <a:pPr algn="ctr"/>
+                      <a:r>
+                        <a:rPr lang="it-IT" dirty="0">
+                          <a:solidFill>
+                            <a:srgbClr val="FF0000"/>
+                          </a:solidFill>
+                        </a:rPr>
+                        <a:t>✗</a:t>
+                      </a:r>
+                    </a:p>
+                  </a:txBody>
+                  <a:tcPr anchor="ctr"/>
+                </a:tc>
+                <a:tc>
+                  <a:txBody>
+                    <a:bodyPr/>
+                    <a:lstStyle/>
+                    <a:p>
+                      <a:pPr algn="ctr"/>
+                      <a:r>
+                        <a:rPr lang="it-IT" dirty="0">
+                          <a:solidFill>
+                            <a:srgbClr val="FF0000"/>
+                          </a:solidFill>
+                        </a:rPr>
+                        <a:t>✗</a:t>
+                      </a:r>
+                    </a:p>
+                  </a:txBody>
+                  <a:tcPr anchor="ctr"/>
+                </a:tc>
+                <a:tc>
+                  <a:txBody>
+                    <a:bodyPr/>
+                    <a:lstStyle/>
+                    <a:p>
+                      <a:pPr algn="ctr"/>
+                      <a:r>
+                        <a:rPr lang="it-IT" dirty="0">
+                          <a:solidFill>
+                            <a:srgbClr val="FF0000"/>
+                          </a:solidFill>
+                        </a:rPr>
+                        <a:t>✗</a:t>
+                      </a:r>
+                    </a:p>
+                  </a:txBody>
+                  <a:tcPr anchor="ctr"/>
+                </a:tc>
+                <a:tc>
+                  <a:txBody>
+                    <a:bodyPr/>
+                    <a:lstStyle/>
+                    <a:p>
+                      <a:pPr algn="ctr"/>
+                      <a:r>
+                        <a:rPr lang="it-IT" dirty="0">
+                          <a:solidFill>
+                            <a:srgbClr val="FF0000"/>
+                          </a:solidFill>
+                        </a:rPr>
+                        <a:t>✗</a:t>
+                      </a:r>
+                    </a:p>
+                  </a:txBody>
+                  <a:tcPr anchor="ctr"/>
+                </a:tc>
+                <a:tc>
+                  <a:txBody>
+                    <a:bodyPr/>
+                    <a:lstStyle/>
+                    <a:p>
+                      <a:pPr algn="ctr"/>
+                      <a:r>
+                        <a:rPr lang="it-IT" dirty="0"/>
+                        <a:t>0,0%</a:t>
+                      </a:r>
+                    </a:p>
+                  </a:txBody>
+                  <a:tcPr anchor="ctr"/>
+                </a:tc>
+                <a:extLst>
+                  <a:ext uri="{0D108BD9-81ED-4DB2-BD59-A6C34878D82A}">
+                    <a16:rowId xmlns:a16="http://schemas.microsoft.com/office/drawing/2014/main" val="1420002187"/>
+                  </a:ext>
+                </a:extLst>
+              </a:tr>
+              <a:tr h="370840">
+                <a:tc>
+                  <a:txBody>
+                    <a:bodyPr/>
+                    <a:lstStyle/>
+                    <a:p>
+                      <a:pPr algn="ctr"/>
+                      <a:r>
+                        <a:rPr lang="it-IT" dirty="0"/>
+                        <a:t>Task 6</a:t>
+                      </a:r>
+                    </a:p>
+                  </a:txBody>
+                  <a:tcPr anchor="ctr"/>
+                </a:tc>
+                <a:tc>
+                  <a:txBody>
+                    <a:bodyPr/>
+                    <a:lstStyle/>
+                    <a:p>
+                      <a:pPr algn="ctr"/>
+                      <a:r>
+                        <a:rPr lang="it-IT" dirty="0">
+                          <a:solidFill>
+                            <a:srgbClr val="FF0000"/>
+                          </a:solidFill>
+                        </a:rPr>
+                        <a:t>✗</a:t>
+                      </a:r>
+                    </a:p>
+                  </a:txBody>
+                  <a:tcPr anchor="ctr"/>
+                </a:tc>
+                <a:tc>
+                  <a:txBody>
+                    <a:bodyPr/>
+                    <a:lstStyle/>
+                    <a:p>
+                      <a:pPr algn="ctr"/>
+                      <a:r>
+                        <a:rPr lang="it-IT" dirty="0">
+                          <a:solidFill>
+                            <a:srgbClr val="FF0000"/>
+                          </a:solidFill>
+                        </a:rPr>
+                        <a:t>✗</a:t>
+                      </a:r>
+                    </a:p>
+                  </a:txBody>
+                  <a:tcPr anchor="ctr"/>
+                </a:tc>
+                <a:tc>
+                  <a:txBody>
+                    <a:bodyPr/>
+                    <a:lstStyle/>
+                    <a:p>
+                      <a:pPr algn="ctr"/>
+                      <a:r>
+                        <a:rPr lang="it-IT" dirty="0">
+                          <a:solidFill>
+                            <a:srgbClr val="00B050"/>
+                          </a:solidFill>
+                        </a:rPr>
+                        <a:t>✓</a:t>
+                      </a:r>
+                    </a:p>
+                  </a:txBody>
+                  <a:tcPr anchor="ctr"/>
+                </a:tc>
+                <a:tc>
+                  <a:txBody>
+                    <a:bodyPr/>
+                    <a:lstStyle/>
+                    <a:p>
+                      <a:pPr algn="ctr"/>
+                      <a:r>
+                        <a:rPr lang="it-IT" dirty="0">
+                          <a:solidFill>
+                            <a:srgbClr val="FF0000"/>
+                          </a:solidFill>
+                        </a:rPr>
+                        <a:t>✗</a:t>
+                      </a:r>
+                    </a:p>
+                  </a:txBody>
+                  <a:tcPr anchor="ctr"/>
+                </a:tc>
+                <a:tc>
+                  <a:txBody>
+                    <a:bodyPr/>
+                    <a:lstStyle/>
+                    <a:p>
+                      <a:pPr algn="ctr"/>
+                      <a:r>
+                        <a:rPr lang="it-IT" dirty="0">
+                          <a:solidFill>
+                            <a:srgbClr val="00B050"/>
+                          </a:solidFill>
+                        </a:rPr>
+                        <a:t>✓</a:t>
+                      </a:r>
+                    </a:p>
+                  </a:txBody>
+                  <a:tcPr anchor="ctr"/>
+                </a:tc>
+                <a:tc>
+                  <a:txBody>
+                    <a:bodyPr/>
+                    <a:lstStyle/>
+                    <a:p>
+                      <a:pPr algn="ctr"/>
+                      <a:r>
+                        <a:rPr lang="it-IT" dirty="0">
+                          <a:solidFill>
+                            <a:srgbClr val="00B050"/>
+                          </a:solidFill>
+                        </a:rPr>
+                        <a:t>✓</a:t>
+                      </a:r>
+                    </a:p>
+                  </a:txBody>
+                  <a:tcPr anchor="ctr"/>
+                </a:tc>
+                <a:tc>
+                  <a:txBody>
+                    <a:bodyPr/>
+                    <a:lstStyle/>
+                    <a:p>
+                      <a:pPr algn="ctr"/>
+                      <a:r>
+                        <a:rPr lang="it-IT" dirty="0"/>
+                        <a:t>50,0%</a:t>
+                      </a:r>
+                    </a:p>
+                  </a:txBody>
+                  <a:tcPr anchor="ctr"/>
+                </a:tc>
+                <a:extLst>
+                  <a:ext uri="{0D108BD9-81ED-4DB2-BD59-A6C34878D82A}">
+                    <a16:rowId xmlns:a16="http://schemas.microsoft.com/office/drawing/2014/main" val="2370073464"/>
+                  </a:ext>
+                </a:extLst>
+              </a:tr>
+              <a:tr h="370840">
+                <a:tc>
+                  <a:txBody>
+                    <a:bodyPr/>
+                    <a:lstStyle/>
+                    <a:p>
+                      <a:pPr algn="ctr"/>
+                      <a:r>
+                        <a:rPr lang="it-IT" dirty="0"/>
+                        <a:t>Tasso di successo medio per tester</a:t>
+                      </a:r>
+                    </a:p>
+                  </a:txBody>
+                  <a:tcPr anchor="ctr"/>
+                </a:tc>
+                <a:tc>
+                  <a:txBody>
+                    <a:bodyPr/>
+                    <a:lstStyle/>
+                    <a:p>
+                      <a:pPr algn="ctr"/>
+                      <a:r>
+                        <a:rPr lang="it-IT" dirty="0"/>
+                        <a:t>16,67%</a:t>
+                      </a:r>
+                    </a:p>
+                  </a:txBody>
+                  <a:tcPr anchor="ctr"/>
+                </a:tc>
+                <a:tc>
+                  <a:txBody>
+                    <a:bodyPr/>
+                    <a:lstStyle/>
+                    <a:p>
+                      <a:pPr algn="ctr"/>
+                      <a:r>
+                        <a:rPr lang="it-IT" dirty="0"/>
+                        <a:t>0,0%</a:t>
+                      </a:r>
+                    </a:p>
+                  </a:txBody>
+                  <a:tcPr anchor="ctr"/>
+                </a:tc>
+                <a:tc>
+                  <a:txBody>
+                    <a:bodyPr/>
+                    <a:lstStyle/>
+                    <a:p>
+                      <a:pPr algn="ctr"/>
+                      <a:r>
+                        <a:rPr lang="it-IT" dirty="0"/>
+                        <a:t>33,33%</a:t>
+                      </a:r>
+                    </a:p>
+                  </a:txBody>
+                  <a:tcPr anchor="ctr"/>
+                </a:tc>
+                <a:tc>
+                  <a:txBody>
+                    <a:bodyPr/>
+                    <a:lstStyle/>
+                    <a:p>
+                      <a:pPr algn="ctr"/>
+                      <a:r>
+                        <a:rPr lang="it-IT" dirty="0"/>
+                        <a:t>16,67%</a:t>
+                      </a:r>
+                    </a:p>
+                  </a:txBody>
+                  <a:tcPr anchor="ctr"/>
+                </a:tc>
+                <a:tc>
+                  <a:txBody>
+                    <a:bodyPr/>
+                    <a:lstStyle/>
+                    <a:p>
+                      <a:pPr algn="ctr"/>
+                      <a:r>
+                        <a:rPr lang="it-IT" dirty="0"/>
+                        <a:t>50,0%</a:t>
+                      </a:r>
+                    </a:p>
+                  </a:txBody>
+                  <a:tcPr anchor="ctr"/>
+                </a:tc>
+                <a:tc>
+                  <a:txBody>
+                    <a:bodyPr/>
+                    <a:lstStyle/>
+                    <a:p>
+                      <a:pPr algn="ctr"/>
+                      <a:r>
+                        <a:rPr lang="it-IT" dirty="0"/>
+                        <a:t>50,0%</a:t>
+                      </a:r>
+                    </a:p>
+                  </a:txBody>
+                  <a:tcPr anchor="ctr"/>
+                </a:tc>
+                <a:tc>
+                  <a:txBody>
+                    <a:bodyPr/>
+                    <a:lstStyle/>
+                    <a:p>
+                      <a:pPr algn="ctr"/>
+                      <a:r>
+                        <a:rPr lang="it-IT" b="1" dirty="0"/>
+                        <a:t>Media: 27,78%</a:t>
+                      </a:r>
+                    </a:p>
+                  </a:txBody>
+                  <a:tcPr anchor="ctr"/>
+                </a:tc>
+                <a:extLst>
+                  <a:ext uri="{0D108BD9-81ED-4DB2-BD59-A6C34878D82A}">
+                    <a16:rowId xmlns:a16="http://schemas.microsoft.com/office/drawing/2014/main" val="1707438427"/>
+                  </a:ext>
+                </a:extLst>
+              </a:tr>
+            </a:tbl>
+          </a:graphicData>
+        </a:graphic>
+      </p:graphicFrame>
+    </p:spTree>
+    <p:extLst>
+      <p:ext uri="{BB962C8B-B14F-4D97-AF65-F5344CB8AC3E}">
+        <p14:creationId xmlns:p14="http://schemas.microsoft.com/office/powerpoint/2010/main" val="2970097179"/>
+      </p:ext>
+    </p:extLst>
+  </p:cSld>
+  <p:clrMapOvr>
+    <a:masterClrMapping/>
+  </p:clrMapOvr>
+  <p:transition spd="slow">
+    <p:push/>
+  </p:transition>
+</p:sld>
+</file>
+
+<file path=ppt/slides/slide12.xml><?xml version="1.0" encoding="utf-8"?>
+<p:sld xmlns:a="http://schemas.openxmlformats.org/drawingml/2006/main" xmlns:r="http://schemas.openxmlformats.org/officeDocument/2006/relationships" xmlns:p="http://schemas.openxmlformats.org/presentationml/2006/main">
+  <p:cSld>
+    <p:spTree>
+      <p:nvGrpSpPr>
+        <p:cNvPr id="1" name=""/>
+        <p:cNvGrpSpPr/>
+        <p:nvPr/>
+      </p:nvGrpSpPr>
+      <p:grpSpPr>
+        <a:xfrm>
+          <a:off x="0" y="0"/>
+          <a:ext cx="0" cy="0"/>
+          <a:chOff x="0" y="0"/>
+          <a:chExt cx="0" cy="0"/>
+        </a:xfrm>
+      </p:grpSpPr>
+      <p:sp>
+        <p:nvSpPr>
+          <p:cNvPr id="4" name="Titolo 3">
+            <a:extLst>
+              <a:ext uri="{FF2B5EF4-FFF2-40B4-BE49-F238E27FC236}">
+                <a16:creationId xmlns:a16="http://schemas.microsoft.com/office/drawing/2014/main" id="{82EADC77-394E-4192-B4F4-3C62BE1B14CF}"/>
+              </a:ext>
+            </a:extLst>
+          </p:cNvPr>
+          <p:cNvSpPr>
+            <a:spLocks noGrp="1"/>
+          </p:cNvSpPr>
+          <p:nvPr>
+            <p:ph type="title"/>
+          </p:nvPr>
+        </p:nvSpPr>
+        <p:spPr/>
         <p:txBody>
           <a:bodyPr/>
           <a:lstStyle/>
@@ -11683,7 +13876,7 @@
 </p:sld>
 </file>
 
-<file path=ppt/slides/slide11.xml><?xml version="1.0" encoding="utf-8"?>
+<file path=ppt/slides/slide13.xml><?xml version="1.0" encoding="utf-8"?>
 <p:sld xmlns:a="http://schemas.openxmlformats.org/drawingml/2006/main" xmlns:r="http://schemas.openxmlformats.org/officeDocument/2006/relationships" xmlns:p="http://schemas.openxmlformats.org/presentationml/2006/main">
   <p:cSld>
     <p:spTree>
@@ -11746,10 +13939,13 @@
   <p:clrMapOvr>
     <a:masterClrMapping/>
   </p:clrMapOvr>
+  <p:transition spd="slow">
+    <p:push/>
+  </p:transition>
 </p:sld>
 </file>
 
-<file path=ppt/slides/slide12.xml><?xml version="1.0" encoding="utf-8"?>
+<file path=ppt/slides/slide14.xml><?xml version="1.0" encoding="utf-8"?>
 <p:sld xmlns:a="http://schemas.openxmlformats.org/drawingml/2006/main" xmlns:r="http://schemas.openxmlformats.org/officeDocument/2006/relationships" xmlns:p="http://schemas.openxmlformats.org/presentationml/2006/main">
   <p:cSld>
     <p:bg>
@@ -11781,14 +13977,10 @@
             <a:spLocks noGrp="1"/>
           </p:cNvSpPr>
           <p:nvPr>
-            <p:ph type="title" idx="4294967295"/>
+            <p:ph type="title"/>
           </p:nvPr>
         </p:nvSpPr>
         <p:spPr>
-          <a:xfrm>
-            <a:off x="720725" y="573088"/>
-            <a:ext cx="8423275" cy="431800"/>
-          </a:xfrm>
           <a:prstGeom prst="rect">
             <a:avLst/>
           </a:prstGeom>
@@ -11818,6 +14010,36 @@
                 <a:schemeClr val="bg1"/>
               </a:solidFill>
             </a:endParaRPr>
+          </a:p>
+        </p:txBody>
+      </p:sp>
+      <p:sp>
+        <p:nvSpPr>
+          <p:cNvPr id="6" name="Segnaposto numero diapositiva 2">
+            <a:extLst>
+              <a:ext uri="{FF2B5EF4-FFF2-40B4-BE49-F238E27FC236}">
+                <a16:creationId xmlns:a16="http://schemas.microsoft.com/office/drawing/2014/main" id="{F1132B6F-A5E5-4AA3-A624-A5A4F5F93965}"/>
+              </a:ext>
+            </a:extLst>
+          </p:cNvPr>
+          <p:cNvSpPr>
+            <a:spLocks noGrp="1"/>
+          </p:cNvSpPr>
+          <p:nvPr>
+            <p:ph type="sldNum" sz="quarter" idx="4"/>
+          </p:nvPr>
+        </p:nvSpPr>
+        <p:spPr/>
+        <p:txBody>
+          <a:bodyPr/>
+          <a:lstStyle/>
+          <a:p>
+            <a:fld id="{936C95AE-7298-45E1-9514-94AFF5BED89B}" type="slidenum">
+              <a:rPr lang="en-US" sz="1800" smtClean="0"/>
+              <a:pPr/>
+              <a:t>14</a:t>
+            </a:fld>
+            <a:endParaRPr lang="en-US" sz="1800" dirty="0"/>
           </a:p>
         </p:txBody>
       </p:sp>
@@ -11884,43 +14106,8 @@
           </a:p>
         </p:txBody>
       </p:sp>
-      <p:sp>
-        <p:nvSpPr>
-          <p:cNvPr id="6" name="Segnaposto numero diapositiva 2">
-            <a:extLst>
-              <a:ext uri="{FF2B5EF4-FFF2-40B4-BE49-F238E27FC236}">
-                <a16:creationId xmlns:a16="http://schemas.microsoft.com/office/drawing/2014/main" id="{F1132B6F-A5E5-4AA3-A624-A5A4F5F93965}"/>
-              </a:ext>
-            </a:extLst>
-          </p:cNvPr>
-          <p:cNvSpPr>
-            <a:spLocks noGrp="1"/>
-          </p:cNvSpPr>
-          <p:nvPr>
-            <p:ph type="sldNum" sz="quarter" idx="4"/>
-          </p:nvPr>
-        </p:nvSpPr>
-        <p:spPr>
-          <a:xfrm>
-            <a:off x="8189264" y="1346525"/>
-            <a:ext cx="543972" cy="365125"/>
-          </a:xfrm>
-        </p:spPr>
-        <p:txBody>
-          <a:bodyPr/>
-          <a:lstStyle/>
-          <a:p>
-            <a:fld id="{936C95AE-7298-45E1-9514-94AFF5BED89B}" type="slidenum">
-              <a:rPr lang="en-US" sz="1800" smtClean="0"/>
-              <a:pPr/>
-              <a:t>12</a:t>
-            </a:fld>
-            <a:endParaRPr lang="en-US" sz="1800" dirty="0"/>
-          </a:p>
-        </p:txBody>
-      </p:sp>
-      <mc:AlternateContent xmlns:mc="http://schemas.openxmlformats.org/markup-compatibility/2006">
-        <mc:Choice xmlns:cx1="http://schemas.microsoft.com/office/drawing/2015/9/8/chartex" Requires="cx1">
+      <mc:AlternateContent xmlns:mc="http://schemas.openxmlformats.org/markup-compatibility/2006" xmlns:cx1="http://schemas.microsoft.com/office/drawing/2015/9/8/chartex">
+        <mc:Choice Requires="cx1">
           <p:graphicFrame>
             <p:nvGraphicFramePr>
               <p:cNvPr id="5" name="Grafico 4">
@@ -11950,7 +14137,7 @@
             </a:graphic>
           </p:graphicFrame>
         </mc:Choice>
-        <mc:Fallback>
+        <mc:Fallback xmlns="">
           <p:pic>
             <p:nvPicPr>
               <p:cNvPr id="5" name="Grafico 4">
@@ -11999,7 +14186,7 @@
 </p:sld>
 </file>
 
-<file path=ppt/slides/slide13.xml><?xml version="1.0" encoding="utf-8"?>
+<file path=ppt/slides/slide15.xml><?xml version="1.0" encoding="utf-8"?>
 <p:sld xmlns:a="http://schemas.openxmlformats.org/drawingml/2006/main" xmlns:r="http://schemas.openxmlformats.org/officeDocument/2006/relationships" xmlns:p="http://schemas.openxmlformats.org/presentationml/2006/main">
   <p:cSld>
     <p:spTree>
@@ -12032,12 +14219,7 @@
             <p:ph type="title"/>
           </p:nvPr>
         </p:nvSpPr>
-        <p:spPr>
-          <a:xfrm>
-            <a:off x="628650" y="3168995"/>
-            <a:ext cx="4456534" cy="520010"/>
-          </a:xfrm>
-        </p:spPr>
+        <p:spPr/>
         <p:txBody>
           <a:bodyPr/>
           <a:lstStyle/>
@@ -12065,7 +14247,7 @@
 </p:sld>
 </file>
 
-<file path=ppt/slides/slide14.xml><?xml version="1.0" encoding="utf-8"?>
+<file path=ppt/slides/slide16.xml><?xml version="1.0" encoding="utf-8"?>
 <p:sld xmlns:a="http://schemas.openxmlformats.org/drawingml/2006/main" xmlns:r="http://schemas.openxmlformats.org/officeDocument/2006/relationships" xmlns:p="http://schemas.openxmlformats.org/presentationml/2006/main">
   <p:cSld>
     <p:bg>
@@ -12097,14 +14279,10 @@
             <a:spLocks noGrp="1"/>
           </p:cNvSpPr>
           <p:nvPr>
-            <p:ph type="title" idx="4294967295"/>
+            <p:ph type="title"/>
           </p:nvPr>
         </p:nvSpPr>
         <p:spPr>
-          <a:xfrm>
-            <a:off x="720725" y="573088"/>
-            <a:ext cx="8423275" cy="431800"/>
-          </a:xfrm>
           <a:prstGeom prst="rect">
             <a:avLst/>
           </a:prstGeom>
@@ -12172,7 +14350,7 @@
 </p:sld>
 </file>
 
-<file path=ppt/slides/slide15.xml><?xml version="1.0" encoding="utf-8"?>
+<file path=ppt/slides/slide17.xml><?xml version="1.0" encoding="utf-8"?>
 <p:sld xmlns:a="http://schemas.openxmlformats.org/drawingml/2006/main" xmlns:r="http://schemas.openxmlformats.org/officeDocument/2006/relationships" xmlns:p="http://schemas.openxmlformats.org/presentationml/2006/main">
   <p:cSld>
     <p:bg>
@@ -12204,14 +14382,10 @@
             <a:spLocks noGrp="1"/>
           </p:cNvSpPr>
           <p:nvPr>
-            <p:ph type="title" idx="4294967295"/>
+            <p:ph type="title"/>
           </p:nvPr>
         </p:nvSpPr>
         <p:spPr>
-          <a:xfrm>
-            <a:off x="720725" y="573088"/>
-            <a:ext cx="8423275" cy="431800"/>
-          </a:xfrm>
           <a:prstGeom prst="rect">
             <a:avLst/>
           </a:prstGeom>
@@ -12236,6 +14410,36 @@
                 <a:schemeClr val="bg1"/>
               </a:solidFill>
             </a:endParaRPr>
+          </a:p>
+        </p:txBody>
+      </p:sp>
+      <p:sp>
+        <p:nvSpPr>
+          <p:cNvPr id="6" name="Segnaposto numero diapositiva 2">
+            <a:extLst>
+              <a:ext uri="{FF2B5EF4-FFF2-40B4-BE49-F238E27FC236}">
+                <a16:creationId xmlns:a16="http://schemas.microsoft.com/office/drawing/2014/main" id="{87A40DE7-003C-4DD3-8834-7FD728813557}"/>
+              </a:ext>
+            </a:extLst>
+          </p:cNvPr>
+          <p:cNvSpPr>
+            <a:spLocks noGrp="1"/>
+          </p:cNvSpPr>
+          <p:nvPr>
+            <p:ph type="sldNum" sz="quarter" idx="4"/>
+          </p:nvPr>
+        </p:nvSpPr>
+        <p:spPr/>
+        <p:txBody>
+          <a:bodyPr/>
+          <a:lstStyle/>
+          <a:p>
+            <a:fld id="{936C95AE-7298-45E1-9514-94AFF5BED89B}" type="slidenum">
+              <a:rPr lang="en-US" sz="1800" smtClean="0"/>
+              <a:pPr/>
+              <a:t>17</a:t>
+            </a:fld>
+            <a:endParaRPr lang="en-US" sz="1800" dirty="0"/>
           </a:p>
         </p:txBody>
       </p:sp>
@@ -12290,7 +14494,7 @@
         <p:spPr>
           <a:xfrm>
             <a:off x="4857135" y="1848465"/>
-            <a:ext cx="3333136" cy="4524315"/>
+            <a:ext cx="3333136" cy="3570208"/>
           </a:xfrm>
           <a:prstGeom prst="rect">
             <a:avLst/>
@@ -12304,74 +14508,39 @@
           <a:lstStyle/>
           <a:p>
             <a:r>
-              <a:rPr lang="it-IT" dirty="0"/>
+              <a:rPr lang="it-IT" sz="1600" dirty="0"/>
               <a:t>La considerazione finale è che i Tarantini dovrebbero essere in rivolta.</a:t>
             </a:r>
           </a:p>
           <a:p>
             <a:r>
-              <a:rPr lang="it-IT" dirty="0"/>
+              <a:rPr lang="it-IT" sz="1600" dirty="0"/>
               <a:t>Il sito non è assolutamente usabile.</a:t>
             </a:r>
           </a:p>
           <a:p>
             <a:r>
-              <a:rPr lang="it-IT" dirty="0"/>
+              <a:rPr lang="it-IT" sz="1600" dirty="0"/>
               <a:t>Ogni compito che potrebbe essere eseguito in quel sito risulta essere difficile da compiere.</a:t>
             </a:r>
           </a:p>
           <a:p>
             <a:r>
-              <a:rPr lang="it-IT" dirty="0"/>
+              <a:rPr lang="it-IT" sz="1600" dirty="0"/>
               <a:t>Altro aspetto molto grave è che il sito non rispetta assolutamente la legge Stanca, i diversamente abili sono stati dimenticati.</a:t>
             </a:r>
           </a:p>
           <a:p>
             <a:r>
-              <a:rPr lang="it-IT" dirty="0"/>
+              <a:rPr lang="it-IT" sz="1600" dirty="0"/>
               <a:t>Quindi, il sito oltre a non essere usabile non è neanche accessibile.</a:t>
             </a:r>
           </a:p>
           <a:p>
             <a:r>
-              <a:rPr lang="it-IT" dirty="0"/>
+              <a:rPr lang="it-IT" sz="1600" dirty="0"/>
               <a:t>Sito completamente da rifare.</a:t>
             </a:r>
-          </a:p>
-        </p:txBody>
-      </p:sp>
-      <p:sp>
-        <p:nvSpPr>
-          <p:cNvPr id="6" name="Segnaposto numero diapositiva 2">
-            <a:extLst>
-              <a:ext uri="{FF2B5EF4-FFF2-40B4-BE49-F238E27FC236}">
-                <a16:creationId xmlns:a16="http://schemas.microsoft.com/office/drawing/2014/main" id="{87A40DE7-003C-4DD3-8834-7FD728813557}"/>
-              </a:ext>
-            </a:extLst>
-          </p:cNvPr>
-          <p:cNvSpPr>
-            <a:spLocks noGrp="1"/>
-          </p:cNvSpPr>
-          <p:nvPr>
-            <p:ph type="sldNum" sz="quarter" idx="4"/>
-          </p:nvPr>
-        </p:nvSpPr>
-        <p:spPr>
-          <a:xfrm>
-            <a:off x="8189264" y="1346525"/>
-            <a:ext cx="543972" cy="365125"/>
-          </a:xfrm>
-        </p:spPr>
-        <p:txBody>
-          <a:bodyPr/>
-          <a:lstStyle/>
-          <a:p>
-            <a:fld id="{936C95AE-7298-45E1-9514-94AFF5BED89B}" type="slidenum">
-              <a:rPr lang="en-US" sz="1800" smtClean="0"/>
-              <a:pPr/>
-              <a:t>15</a:t>
-            </a:fld>
-            <a:endParaRPr lang="en-US" sz="1800" dirty="0"/>
           </a:p>
         </p:txBody>
       </p:sp>
@@ -12391,7 +14560,7 @@
 </p:sld>
 </file>
 
-<file path=ppt/slides/slide16.xml><?xml version="1.0" encoding="utf-8"?>
+<file path=ppt/slides/slide2.xml><?xml version="1.0" encoding="utf-8"?>
 <p:sld xmlns:a="http://schemas.openxmlformats.org/drawingml/2006/main" xmlns:r="http://schemas.openxmlformats.org/officeDocument/2006/relationships" xmlns:p="http://schemas.openxmlformats.org/presentationml/2006/main">
   <p:cSld>
     <p:spTree>
@@ -12446,13 +14615,13 @@
   <p:clrMapOvr>
     <a:masterClrMapping/>
   </p:clrMapOvr>
-  <p:transition spd="slow">
-    <p:push/>
+  <p:transition spd="med">
+    <p:pull dir="u"/>
   </p:transition>
 </p:sld>
 </file>
 
-<file path=ppt/slides/slide17.xml><?xml version="1.0" encoding="utf-8"?>
+<file path=ppt/slides/slide3.xml><?xml version="1.0" encoding="utf-8"?>
 <p:sld xmlns:a="http://schemas.openxmlformats.org/drawingml/2006/main" xmlns:r="http://schemas.openxmlformats.org/officeDocument/2006/relationships" xmlns:p="http://schemas.openxmlformats.org/presentationml/2006/main">
   <p:cSld>
     <p:bg>
@@ -12527,11 +14696,11 @@
           <a:lstStyle/>
           <a:p>
             <a:fld id="{936C95AE-7298-45E1-9514-94AFF5BED89B}" type="slidenum">
-              <a:rPr lang="en-US" sz="1800" smtClean="0"/>
+              <a:rPr lang="en-US" smtClean="0"/>
               <a:pPr/>
-              <a:t>17</a:t>
+              <a:t>3</a:t>
             </a:fld>
-            <a:endParaRPr lang="en-US" sz="1800" dirty="0"/>
+            <a:endParaRPr lang="en-US" dirty="0"/>
           </a:p>
         </p:txBody>
       </p:sp>
@@ -12690,7 +14859,6 @@
                 <a:solidFill>
                   <a:schemeClr val="accent6"/>
                 </a:solidFill>
-                <a:latin typeface="Montserrat" panose="00000500000000000000" pitchFamily="2" charset="0"/>
                 <a:ea typeface="Roboto Light" charset="0"/>
                 <a:cs typeface="Roboto Light" charset="0"/>
               </a:rPr>
@@ -12708,7 +14876,6 @@
                 <a:solidFill>
                   <a:schemeClr val="accent6"/>
                 </a:solidFill>
-                <a:latin typeface="Montserrat" panose="00000500000000000000" pitchFamily="2" charset="0"/>
                 <a:ea typeface="Roboto Light" charset="0"/>
                 <a:cs typeface="Roboto Light" charset="0"/>
               </a:rPr>
@@ -12718,7 +14885,6 @@
               <a:solidFill>
                 <a:schemeClr val="accent6"/>
               </a:solidFill>
-              <a:latin typeface="Montserrat" panose="00000500000000000000" pitchFamily="2" charset="0"/>
               <a:ea typeface="Roboto Light" charset="0"/>
               <a:cs typeface="Roboto Light" charset="0"/>
             </a:endParaRPr>
@@ -12917,7 +15083,7 @@
           <p:nvPr/>
         </p:nvPicPr>
         <p:blipFill>
-          <a:blip r:embed="rId2" cstate="print">
+          <a:blip r:embed="rId3" cstate="print">
             <a:extLst>
               <a:ext uri="{28A0092B-C50C-407E-A947-70E740481C1C}">
                 <a14:useLocalDpi xmlns:a14="http://schemas.microsoft.com/office/drawing/2010/main" val="0"/>
@@ -12969,7 +15135,7 @@
           <p:nvPr/>
         </p:nvPicPr>
         <p:blipFill>
-          <a:blip r:embed="rId3" cstate="print">
+          <a:blip r:embed="rId4" cstate="print">
             <a:extLst>
               <a:ext uri="{28A0092B-C50C-407E-A947-70E740481C1C}">
                 <a14:useLocalDpi xmlns:a14="http://schemas.microsoft.com/office/drawing/2010/main" val="0"/>
@@ -13021,7 +15187,7 @@
           <p:nvPr/>
         </p:nvPicPr>
         <p:blipFill>
-          <a:blip r:embed="rId4" cstate="print">
+          <a:blip r:embed="rId5" cstate="print">
             <a:extLst>
               <a:ext uri="{28A0092B-C50C-407E-A947-70E740481C1C}">
                 <a14:useLocalDpi xmlns:a14="http://schemas.microsoft.com/office/drawing/2010/main" val="0"/>
@@ -13073,7 +15239,7 @@
           <p:nvPr/>
         </p:nvPicPr>
         <p:blipFill>
-          <a:blip r:embed="rId5" cstate="print">
+          <a:blip r:embed="rId6" cstate="print">
             <a:extLst>
               <a:ext uri="{28A0092B-C50C-407E-A947-70E740481C1C}">
                 <a14:useLocalDpi xmlns:a14="http://schemas.microsoft.com/office/drawing/2010/main" val="0"/>
@@ -13125,7 +15291,7 @@
           <p:nvPr/>
         </p:nvPicPr>
         <p:blipFill>
-          <a:blip r:embed="rId6" cstate="print">
+          <a:blip r:embed="rId7" cstate="print">
             <a:extLst>
               <a:ext uri="{28A0092B-C50C-407E-A947-70E740481C1C}">
                 <a14:useLocalDpi xmlns:a14="http://schemas.microsoft.com/office/drawing/2010/main" val="0"/>
@@ -13199,7 +15365,6 @@
                 <a:solidFill>
                   <a:schemeClr val="accent6"/>
                 </a:solidFill>
-                <a:latin typeface="Montserrat" panose="00000500000000000000" pitchFamily="2" charset="0"/>
                 <a:ea typeface="Roboto Light" charset="0"/>
                 <a:cs typeface="Roboto Light" charset="0"/>
               </a:rPr>
@@ -13217,7 +15382,6 @@
                 <a:solidFill>
                   <a:schemeClr val="accent6"/>
                 </a:solidFill>
-                <a:latin typeface="Montserrat" panose="00000500000000000000" pitchFamily="2" charset="0"/>
                 <a:ea typeface="Roboto Light" charset="0"/>
                 <a:cs typeface="Roboto Light" charset="0"/>
               </a:rPr>
@@ -13227,7 +15391,6 @@
               <a:solidFill>
                 <a:schemeClr val="accent6"/>
               </a:solidFill>
-              <a:latin typeface="Montserrat" panose="00000500000000000000" pitchFamily="2" charset="0"/>
               <a:ea typeface="Roboto Light" charset="0"/>
               <a:cs typeface="Roboto Light" charset="0"/>
             </a:endParaRPr>
@@ -13271,7 +15434,6 @@
                 <a:solidFill>
                   <a:schemeClr val="accent6"/>
                 </a:solidFill>
-                <a:latin typeface="Montserrat" panose="00000500000000000000" pitchFamily="2" charset="0"/>
                 <a:ea typeface="Roboto Light" charset="0"/>
                 <a:cs typeface="Roboto Light" charset="0"/>
               </a:rPr>
@@ -13289,7 +15451,6 @@
                 <a:solidFill>
                   <a:schemeClr val="accent6"/>
                 </a:solidFill>
-                <a:latin typeface="Montserrat" panose="00000500000000000000" pitchFamily="2" charset="0"/>
                 <a:ea typeface="Roboto Light" charset="0"/>
                 <a:cs typeface="Roboto Light" charset="0"/>
               </a:rPr>
@@ -13299,7 +15460,6 @@
               <a:solidFill>
                 <a:schemeClr val="accent6"/>
               </a:solidFill>
-              <a:latin typeface="Montserrat" panose="00000500000000000000" pitchFamily="2" charset="0"/>
               <a:ea typeface="Roboto Light" charset="0"/>
               <a:cs typeface="Roboto Light" charset="0"/>
             </a:endParaRPr>
@@ -13343,7 +15503,6 @@
                 <a:solidFill>
                   <a:schemeClr val="accent6"/>
                 </a:solidFill>
-                <a:latin typeface="Montserrat" panose="00000500000000000000" pitchFamily="2" charset="0"/>
                 <a:ea typeface="Roboto Light" charset="0"/>
                 <a:cs typeface="Roboto Light" charset="0"/>
               </a:rPr>
@@ -13361,7 +15520,6 @@
                 <a:solidFill>
                   <a:schemeClr val="accent6"/>
                 </a:solidFill>
-                <a:latin typeface="Montserrat" panose="00000500000000000000" pitchFamily="2" charset="0"/>
                 <a:ea typeface="Roboto Light" charset="0"/>
                 <a:cs typeface="Roboto Light" charset="0"/>
               </a:rPr>
@@ -13371,7 +15529,6 @@
               <a:solidFill>
                 <a:schemeClr val="accent6"/>
               </a:solidFill>
-              <a:latin typeface="Montserrat" panose="00000500000000000000" pitchFamily="2" charset="0"/>
               <a:ea typeface="Roboto Light" charset="0"/>
               <a:cs typeface="Roboto Light" charset="0"/>
             </a:endParaRPr>
@@ -13415,7 +15572,6 @@
                 <a:solidFill>
                   <a:schemeClr val="accent6"/>
                 </a:solidFill>
-                <a:latin typeface="Montserrat" panose="00000500000000000000" pitchFamily="2" charset="0"/>
                 <a:ea typeface="Roboto Light" charset="0"/>
                 <a:cs typeface="Roboto Light" charset="0"/>
               </a:rPr>
@@ -13433,7 +15589,6 @@
                 <a:solidFill>
                   <a:schemeClr val="accent6"/>
                 </a:solidFill>
-                <a:latin typeface="Montserrat" panose="00000500000000000000" pitchFamily="2" charset="0"/>
                 <a:ea typeface="Roboto Light" charset="0"/>
                 <a:cs typeface="Roboto Light" charset="0"/>
               </a:rPr>
@@ -13443,7 +15598,6 @@
               <a:solidFill>
                 <a:schemeClr val="accent6"/>
               </a:solidFill>
-              <a:latin typeface="Montserrat" panose="00000500000000000000" pitchFamily="2" charset="0"/>
               <a:ea typeface="Roboto Light" charset="0"/>
               <a:cs typeface="Roboto Light" charset="0"/>
             </a:endParaRPr>
@@ -13484,11 +15638,18 @@
             </a:pPr>
             <a:r>
               <a:rPr lang="en-US" sz="1200" i="1" dirty="0">
+                <a:ea typeface="Roboto Light" charset="0"/>
+                <a:cs typeface="Roboto Light" charset="0"/>
+              </a:rPr>
+              <a:t>Project</a:t>
+            </a:r>
+            <a:r>
+              <a:rPr lang="en-US" sz="1200" i="1" dirty="0">
                 <a:latin typeface="Raleway" panose="020B0503030101060003" pitchFamily="34" charset="0"/>
                 <a:ea typeface="Roboto Light" charset="0"/>
                 <a:cs typeface="Roboto Light" charset="0"/>
               </a:rPr>
-              <a:t>Project Manager</a:t>
+              <a:t> Manager</a:t>
             </a:r>
             <a:endParaRPr lang="en-US" sz="1050" i="1" dirty="0">
               <a:latin typeface="Raleway" panose="020B0503030101060003" pitchFamily="34" charset="0"/>
@@ -13555,27 +15716,7 @@
                   </a:schemeClr>
                 </a:solidFill>
               </a:rPr>
-              <a:t> </a:t>
-            </a:r>
-            <a:r>
-              <a:rPr lang="it-IT" i="1">
-                <a:solidFill>
-                  <a:schemeClr val="bg1">
-                    <a:lumMod val="65000"/>
-                  </a:schemeClr>
-                </a:solidFill>
-              </a:rPr>
-              <a:t>a laude</a:t>
-            </a:r>
-            <a:r>
-              <a:rPr lang="it-IT" i="1" dirty="0">
-                <a:solidFill>
-                  <a:schemeClr val="bg1">
-                    <a:lumMod val="65000"/>
-                  </a:schemeClr>
-                </a:solidFill>
-              </a:rPr>
-              <a:t>! —</a:t>
+              <a:t> a laude! —</a:t>
             </a:r>
           </a:p>
         </p:txBody>
@@ -13596,7 +15737,7 @@
 </p:sld>
 </file>
 
-<file path=ppt/slides/slide2.xml><?xml version="1.0" encoding="utf-8"?>
+<file path=ppt/slides/slide4.xml><?xml version="1.0" encoding="utf-8"?>
 <p:sld xmlns:a="http://schemas.openxmlformats.org/drawingml/2006/main" xmlns:r="http://schemas.openxmlformats.org/officeDocument/2006/relationships" xmlns:p="http://schemas.openxmlformats.org/presentationml/2006/main">
   <p:cSld>
     <p:spTree>
@@ -13651,10 +15792,13 @@
   <p:clrMapOvr>
     <a:masterClrMapping/>
   </p:clrMapOvr>
+  <p:transition spd="slow">
+    <p:push/>
+  </p:transition>
 </p:sld>
 </file>
 
-<file path=ppt/slides/slide3.xml><?xml version="1.0" encoding="utf-8"?>
+<file path=ppt/slides/slide5.xml><?xml version="1.0" encoding="utf-8"?>
 <p:sld xmlns:a="http://schemas.openxmlformats.org/drawingml/2006/main" xmlns:r="http://schemas.openxmlformats.org/officeDocument/2006/relationships" xmlns:p="http://schemas.openxmlformats.org/presentationml/2006/main">
   <p:cSld>
     <p:spTree>
@@ -13717,274 +15861,6 @@
   <p:clrMapOvr>
     <a:masterClrMapping/>
   </p:clrMapOvr>
-</p:sld>
-</file>
-
-<file path=ppt/slides/slide4.xml><?xml version="1.0" encoding="utf-8"?>
-<p:sld xmlns:a="http://schemas.openxmlformats.org/drawingml/2006/main" xmlns:r="http://schemas.openxmlformats.org/officeDocument/2006/relationships" xmlns:p="http://schemas.openxmlformats.org/presentationml/2006/main">
-  <p:cSld>
-    <p:spTree>
-      <p:nvGrpSpPr>
-        <p:cNvPr id="1" name=""/>
-        <p:cNvGrpSpPr/>
-        <p:nvPr/>
-      </p:nvGrpSpPr>
-      <p:grpSpPr>
-        <a:xfrm>
-          <a:off x="0" y="0"/>
-          <a:ext cx="0" cy="0"/>
-          <a:chOff x="0" y="0"/>
-          <a:chExt cx="0" cy="0"/>
-        </a:xfrm>
-      </p:grpSpPr>
-      <p:sp>
-        <p:nvSpPr>
-          <p:cNvPr id="3" name="Titolo 2">
-            <a:extLst>
-              <a:ext uri="{FF2B5EF4-FFF2-40B4-BE49-F238E27FC236}">
-                <a16:creationId xmlns:a16="http://schemas.microsoft.com/office/drawing/2014/main" id="{04EBCA1C-86CB-431C-874B-99DC940A8E0A}"/>
-              </a:ext>
-            </a:extLst>
-          </p:cNvPr>
-          <p:cNvSpPr>
-            <a:spLocks noGrp="1"/>
-          </p:cNvSpPr>
-          <p:nvPr>
-            <p:ph type="title"/>
-          </p:nvPr>
-        </p:nvSpPr>
-        <p:spPr/>
-        <p:txBody>
-          <a:bodyPr/>
-          <a:lstStyle/>
-          <a:p>
-            <a:r>
-              <a:rPr lang="it-IT" dirty="0"/>
-              <a:t>Cosa si è valutato?</a:t>
-            </a:r>
-          </a:p>
-        </p:txBody>
-      </p:sp>
-    </p:spTree>
-    <p:extLst>
-      <p:ext uri="{BB962C8B-B14F-4D97-AF65-F5344CB8AC3E}">
-        <p14:creationId xmlns:p14="http://schemas.microsoft.com/office/powerpoint/2010/main" val="1438537945"/>
-      </p:ext>
-    </p:extLst>
-  </p:cSld>
-  <p:clrMapOvr>
-    <a:masterClrMapping/>
-  </p:clrMapOvr>
-  <p:transition spd="slow">
-    <p:push/>
-  </p:transition>
-</p:sld>
-</file>
-
-<file path=ppt/slides/slide5.xml><?xml version="1.0" encoding="utf-8"?>
-<p:sld xmlns:a="http://schemas.openxmlformats.org/drawingml/2006/main" xmlns:r="http://schemas.openxmlformats.org/officeDocument/2006/relationships" xmlns:p="http://schemas.openxmlformats.org/presentationml/2006/main">
-  <p:cSld>
-    <p:bg>
-      <p:bgPr>
-        <a:solidFill>
-          <a:schemeClr val="bg1"/>
-        </a:solidFill>
-        <a:effectLst/>
-      </p:bgPr>
-    </p:bg>
-    <p:spTree>
-      <p:nvGrpSpPr>
-        <p:cNvPr id="1" name=""/>
-        <p:cNvGrpSpPr/>
-        <p:nvPr/>
-      </p:nvGrpSpPr>
-      <p:grpSpPr>
-        <a:xfrm>
-          <a:off x="0" y="0"/>
-          <a:ext cx="0" cy="0"/>
-          <a:chOff x="0" y="0"/>
-          <a:chExt cx="0" cy="0"/>
-        </a:xfrm>
-      </p:grpSpPr>
-      <p:sp>
-        <p:nvSpPr>
-          <p:cNvPr id="3" name="Title 2"/>
-          <p:cNvSpPr>
-            <a:spLocks noGrp="1"/>
-          </p:cNvSpPr>
-          <p:nvPr>
-            <p:ph type="title" idx="4294967295"/>
-          </p:nvPr>
-        </p:nvSpPr>
-        <p:spPr>
-          <a:xfrm>
-            <a:off x="309961" y="637461"/>
-            <a:ext cx="8423275" cy="431800"/>
-          </a:xfrm>
-          <a:prstGeom prst="rect">
-            <a:avLst/>
-          </a:prstGeom>
-        </p:spPr>
-        <p:txBody>
-          <a:bodyPr/>
-          <a:lstStyle/>
-          <a:p>
-            <a:r>
-              <a:rPr lang="en-US" dirty="0" err="1">
-                <a:solidFill>
-                  <a:schemeClr val="bg1"/>
-                </a:solidFill>
-              </a:rPr>
-              <a:t>Sito</a:t>
-            </a:r>
-            <a:r>
-              <a:rPr lang="en-US" dirty="0">
-                <a:solidFill>
-                  <a:schemeClr val="bg1"/>
-                </a:solidFill>
-              </a:rPr>
-              <a:t> del </a:t>
-            </a:r>
-            <a:r>
-              <a:rPr lang="en-US" dirty="0" err="1">
-                <a:solidFill>
-                  <a:schemeClr val="bg1"/>
-                </a:solidFill>
-              </a:rPr>
-              <a:t>Comune</a:t>
-            </a:r>
-            <a:r>
-              <a:rPr lang="en-US" dirty="0">
-                <a:solidFill>
-                  <a:schemeClr val="bg1"/>
-                </a:solidFill>
-              </a:rPr>
-              <a:t> di Taranto</a:t>
-            </a:r>
-          </a:p>
-        </p:txBody>
-      </p:sp>
-      <p:pic>
-        <p:nvPicPr>
-          <p:cNvPr id="2" name="Immagine 1">
-            <a:extLst>
-              <a:ext uri="{FF2B5EF4-FFF2-40B4-BE49-F238E27FC236}">
-                <a16:creationId xmlns:a16="http://schemas.microsoft.com/office/drawing/2014/main" id="{42A35265-4826-412E-B19E-FB4066B74D23}"/>
-              </a:ext>
-            </a:extLst>
-          </p:cNvPr>
-          <p:cNvPicPr>
-            <a:picLocks noChangeAspect="1"/>
-          </p:cNvPicPr>
-          <p:nvPr/>
-        </p:nvPicPr>
-        <p:blipFill rotWithShape="1">
-          <a:blip r:embed="rId2"/>
-          <a:srcRect t="12007" r="1398" b="10956"/>
-          <a:stretch/>
-        </p:blipFill>
-        <p:spPr>
-          <a:xfrm>
-            <a:off x="221470" y="2321673"/>
-            <a:ext cx="5441911" cy="2775155"/>
-          </a:xfrm>
-          <a:prstGeom prst="rect">
-            <a:avLst/>
-          </a:prstGeom>
-        </p:spPr>
-      </p:pic>
-      <p:sp>
-        <p:nvSpPr>
-          <p:cNvPr id="4" name="CasellaDiTesto 3">
-            <a:extLst>
-              <a:ext uri="{FF2B5EF4-FFF2-40B4-BE49-F238E27FC236}">
-                <a16:creationId xmlns:a16="http://schemas.microsoft.com/office/drawing/2014/main" id="{D50DB019-D0E9-4413-9E88-617FE105BC23}"/>
-              </a:ext>
-            </a:extLst>
-          </p:cNvPr>
-          <p:cNvSpPr txBox="1"/>
-          <p:nvPr/>
-        </p:nvSpPr>
-        <p:spPr>
-          <a:xfrm>
-            <a:off x="5810865" y="2231923"/>
-            <a:ext cx="2792361" cy="3416320"/>
-          </a:xfrm>
-          <a:prstGeom prst="rect">
-            <a:avLst/>
-          </a:prstGeom>
-          <a:noFill/>
-        </p:spPr>
-        <p:txBody>
-          <a:bodyPr wrap="square" rtlCol="0">
-            <a:spAutoFit/>
-          </a:bodyPr>
-          <a:lstStyle/>
-          <a:p>
-            <a:r>
-              <a:rPr lang="it-IT" dirty="0"/>
-              <a:t>Abbiamo deciso di valutare il sito del nostro Comune.</a:t>
-            </a:r>
-          </a:p>
-          <a:p>
-            <a:r>
-              <a:rPr lang="it-IT" dirty="0"/>
-              <a:t>Nell’usarlo molto spesso, ci siamo accorti che è molto difficile da usare.</a:t>
-            </a:r>
-          </a:p>
-          <a:p>
-            <a:r>
-              <a:rPr lang="it-IT" dirty="0"/>
-              <a:t>A decidere di scegliere di valutare il sito del Comune è stata proprio la curiosità di sapere precisamente quanto questo sito non è usabile, nella speranza che prima o poi verrà sistemato.</a:t>
-            </a:r>
-          </a:p>
-        </p:txBody>
-      </p:sp>
-      <p:sp>
-        <p:nvSpPr>
-          <p:cNvPr id="5" name="Segnaposto numero diapositiva 2">
-            <a:extLst>
-              <a:ext uri="{FF2B5EF4-FFF2-40B4-BE49-F238E27FC236}">
-                <a16:creationId xmlns:a16="http://schemas.microsoft.com/office/drawing/2014/main" id="{4442B119-BD2B-40BC-B397-3D3C646BD529}"/>
-              </a:ext>
-            </a:extLst>
-          </p:cNvPr>
-          <p:cNvSpPr>
-            <a:spLocks noGrp="1"/>
-          </p:cNvSpPr>
-          <p:nvPr>
-            <p:ph type="sldNum" sz="quarter" idx="4"/>
-          </p:nvPr>
-        </p:nvSpPr>
-        <p:spPr>
-          <a:xfrm>
-            <a:off x="8189264" y="1346525"/>
-            <a:ext cx="543972" cy="365125"/>
-          </a:xfrm>
-        </p:spPr>
-        <p:txBody>
-          <a:bodyPr/>
-          <a:lstStyle/>
-          <a:p>
-            <a:fld id="{936C95AE-7298-45E1-9514-94AFF5BED89B}" type="slidenum">
-              <a:rPr lang="en-US" sz="1800" smtClean="0"/>
-              <a:pPr/>
-              <a:t>5</a:t>
-            </a:fld>
-            <a:endParaRPr lang="en-US" sz="1800" dirty="0"/>
-          </a:p>
-        </p:txBody>
-      </p:sp>
-    </p:spTree>
-    <p:extLst>
-      <p:ext uri="{BB962C8B-B14F-4D97-AF65-F5344CB8AC3E}">
-        <p14:creationId xmlns:p14="http://schemas.microsoft.com/office/powerpoint/2010/main" val="3428890260"/>
-      </p:ext>
-    </p:extLst>
-  </p:cSld>
-  <p:clrMapOvr>
-    <a:masterClrMapping/>
-  </p:clrMapOvr>
   <p:transition spd="slow">
     <p:push/>
   </p:transition>
@@ -14010,10 +15886,10 @@
       </p:grpSpPr>
       <p:sp>
         <p:nvSpPr>
-          <p:cNvPr id="4" name="Titolo 3">
+          <p:cNvPr id="3" name="Titolo 2">
             <a:extLst>
               <a:ext uri="{FF2B5EF4-FFF2-40B4-BE49-F238E27FC236}">
-                <a16:creationId xmlns:a16="http://schemas.microsoft.com/office/drawing/2014/main" id="{82EADC77-394E-4192-B4F4-3C62BE1B14CF}"/>
+                <a16:creationId xmlns:a16="http://schemas.microsoft.com/office/drawing/2014/main" id="{04EBCA1C-86CB-431C-874B-99DC940A8E0A}"/>
               </a:ext>
             </a:extLst>
           </p:cNvPr>
@@ -14024,19 +15900,14 @@
             <p:ph type="title"/>
           </p:nvPr>
         </p:nvSpPr>
-        <p:spPr>
-          <a:xfrm>
-            <a:off x="628650" y="3168995"/>
-            <a:ext cx="4456534" cy="520010"/>
-          </a:xfrm>
-        </p:spPr>
+        <p:spPr/>
         <p:txBody>
           <a:bodyPr/>
           <a:lstStyle/>
           <a:p>
             <a:r>
               <a:rPr lang="it-IT" dirty="0"/>
-              <a:t>Tester</a:t>
+              <a:t>Cosa si è valutato?</a:t>
             </a:r>
           </a:p>
         </p:txBody>
@@ -14044,7 +15915,7 @@
     </p:spTree>
     <p:extLst>
       <p:ext uri="{BB962C8B-B14F-4D97-AF65-F5344CB8AC3E}">
-        <p14:creationId xmlns:p14="http://schemas.microsoft.com/office/powerpoint/2010/main" val="1926368716"/>
+        <p14:creationId xmlns:p14="http://schemas.microsoft.com/office/powerpoint/2010/main" val="1438537945"/>
       </p:ext>
     </p:extLst>
   </p:cSld>
@@ -14089,14 +15960,272 @@
             <a:spLocks noGrp="1"/>
           </p:cNvSpPr>
           <p:nvPr>
-            <p:ph type="title" idx="4294967295"/>
+            <p:ph type="title"/>
           </p:nvPr>
         </p:nvSpPr>
+        <p:spPr>
+          <a:prstGeom prst="rect">
+            <a:avLst/>
+          </a:prstGeom>
+        </p:spPr>
+        <p:txBody>
+          <a:bodyPr/>
+          <a:lstStyle/>
+          <a:p>
+            <a:r>
+              <a:rPr lang="en-US" dirty="0" err="1">
+                <a:solidFill>
+                  <a:schemeClr val="bg1"/>
+                </a:solidFill>
+              </a:rPr>
+              <a:t>Sito</a:t>
+            </a:r>
+            <a:r>
+              <a:rPr lang="en-US" dirty="0">
+                <a:solidFill>
+                  <a:schemeClr val="bg1"/>
+                </a:solidFill>
+              </a:rPr>
+              <a:t> del </a:t>
+            </a:r>
+            <a:r>
+              <a:rPr lang="en-US" dirty="0" err="1">
+                <a:solidFill>
+                  <a:schemeClr val="bg1"/>
+                </a:solidFill>
+              </a:rPr>
+              <a:t>Comune</a:t>
+            </a:r>
+            <a:r>
+              <a:rPr lang="en-US" dirty="0">
+                <a:solidFill>
+                  <a:schemeClr val="bg1"/>
+                </a:solidFill>
+              </a:rPr>
+              <a:t> di Taranto</a:t>
+            </a:r>
+          </a:p>
+        </p:txBody>
+      </p:sp>
+      <p:sp>
+        <p:nvSpPr>
+          <p:cNvPr id="5" name="Segnaposto numero diapositiva 2">
+            <a:extLst>
+              <a:ext uri="{FF2B5EF4-FFF2-40B4-BE49-F238E27FC236}">
+                <a16:creationId xmlns:a16="http://schemas.microsoft.com/office/drawing/2014/main" id="{4442B119-BD2B-40BC-B397-3D3C646BD529}"/>
+              </a:ext>
+            </a:extLst>
+          </p:cNvPr>
+          <p:cNvSpPr>
+            <a:spLocks noGrp="1"/>
+          </p:cNvSpPr>
+          <p:nvPr>
+            <p:ph type="sldNum" sz="quarter" idx="4"/>
+          </p:nvPr>
+        </p:nvSpPr>
+        <p:spPr/>
+        <p:txBody>
+          <a:bodyPr/>
+          <a:lstStyle/>
+          <a:p>
+            <a:fld id="{936C95AE-7298-45E1-9514-94AFF5BED89B}" type="slidenum">
+              <a:rPr lang="en-US" sz="1800" smtClean="0"/>
+              <a:pPr/>
+              <a:t>7</a:t>
+            </a:fld>
+            <a:endParaRPr lang="en-US" sz="1800" dirty="0"/>
+          </a:p>
+        </p:txBody>
+      </p:sp>
+      <p:pic>
+        <p:nvPicPr>
+          <p:cNvPr id="2" name="Immagine 1">
+            <a:extLst>
+              <a:ext uri="{FF2B5EF4-FFF2-40B4-BE49-F238E27FC236}">
+                <a16:creationId xmlns:a16="http://schemas.microsoft.com/office/drawing/2014/main" id="{42A35265-4826-412E-B19E-FB4066B74D23}"/>
+              </a:ext>
+            </a:extLst>
+          </p:cNvPr>
+          <p:cNvPicPr>
+            <a:picLocks noChangeAspect="1"/>
+          </p:cNvPicPr>
+          <p:nvPr/>
+        </p:nvPicPr>
+        <p:blipFill rotWithShape="1">
+          <a:blip r:embed="rId2"/>
+          <a:srcRect t="12007" r="1398" b="10956"/>
+          <a:stretch/>
+        </p:blipFill>
         <p:spPr>
           <a:xfrm>
-            <a:off x="309961" y="637461"/>
-            <a:ext cx="8423275" cy="431800"/>
+            <a:off x="221470" y="2321673"/>
+            <a:ext cx="5441911" cy="2775155"/>
           </a:xfrm>
+          <a:prstGeom prst="rect">
+            <a:avLst/>
+          </a:prstGeom>
+        </p:spPr>
+      </p:pic>
+      <p:sp>
+        <p:nvSpPr>
+          <p:cNvPr id="4" name="CasellaDiTesto 3">
+            <a:extLst>
+              <a:ext uri="{FF2B5EF4-FFF2-40B4-BE49-F238E27FC236}">
+                <a16:creationId xmlns:a16="http://schemas.microsoft.com/office/drawing/2014/main" id="{D50DB019-D0E9-4413-9E88-617FE105BC23}"/>
+              </a:ext>
+            </a:extLst>
+          </p:cNvPr>
+          <p:cNvSpPr txBox="1"/>
+          <p:nvPr/>
+        </p:nvSpPr>
+        <p:spPr>
+          <a:xfrm>
+            <a:off x="5810865" y="2231923"/>
+            <a:ext cx="2792361" cy="3046988"/>
+          </a:xfrm>
+          <a:prstGeom prst="rect">
+            <a:avLst/>
+          </a:prstGeom>
+          <a:noFill/>
+        </p:spPr>
+        <p:txBody>
+          <a:bodyPr wrap="square" rtlCol="0">
+            <a:spAutoFit/>
+          </a:bodyPr>
+          <a:lstStyle/>
+          <a:p>
+            <a:r>
+              <a:rPr lang="it-IT" sz="1600" dirty="0"/>
+              <a:t>Abbiamo deciso di valutare il sito del nostro Comune.</a:t>
+            </a:r>
+          </a:p>
+          <a:p>
+            <a:r>
+              <a:rPr lang="it-IT" sz="1600" dirty="0"/>
+              <a:t>Nell’usarlo molto spesso, ci siamo accorti che è molto difficile da usare.</a:t>
+            </a:r>
+          </a:p>
+          <a:p>
+            <a:r>
+              <a:rPr lang="it-IT" sz="1600" dirty="0"/>
+              <a:t>A decidere di scegliere di valutare il sito del Comune è stata proprio la curiosità di sapere precisamente quanto questo sito non è usabile, nella speranza che prima o poi verrà sistemato.</a:t>
+            </a:r>
+          </a:p>
+        </p:txBody>
+      </p:sp>
+    </p:spTree>
+    <p:extLst>
+      <p:ext uri="{BB962C8B-B14F-4D97-AF65-F5344CB8AC3E}">
+        <p14:creationId xmlns:p14="http://schemas.microsoft.com/office/powerpoint/2010/main" val="3428890260"/>
+      </p:ext>
+    </p:extLst>
+  </p:cSld>
+  <p:clrMapOvr>
+    <a:masterClrMapping/>
+  </p:clrMapOvr>
+  <p:transition spd="slow">
+    <p:push/>
+  </p:transition>
+</p:sld>
+</file>
+
+<file path=ppt/slides/slide8.xml><?xml version="1.0" encoding="utf-8"?>
+<p:sld xmlns:a="http://schemas.openxmlformats.org/drawingml/2006/main" xmlns:r="http://schemas.openxmlformats.org/officeDocument/2006/relationships" xmlns:p="http://schemas.openxmlformats.org/presentationml/2006/main">
+  <p:cSld>
+    <p:spTree>
+      <p:nvGrpSpPr>
+        <p:cNvPr id="1" name=""/>
+        <p:cNvGrpSpPr/>
+        <p:nvPr/>
+      </p:nvGrpSpPr>
+      <p:grpSpPr>
+        <a:xfrm>
+          <a:off x="0" y="0"/>
+          <a:ext cx="0" cy="0"/>
+          <a:chOff x="0" y="0"/>
+          <a:chExt cx="0" cy="0"/>
+        </a:xfrm>
+      </p:grpSpPr>
+      <p:sp>
+        <p:nvSpPr>
+          <p:cNvPr id="4" name="Titolo 3">
+            <a:extLst>
+              <a:ext uri="{FF2B5EF4-FFF2-40B4-BE49-F238E27FC236}">
+                <a16:creationId xmlns:a16="http://schemas.microsoft.com/office/drawing/2014/main" id="{82EADC77-394E-4192-B4F4-3C62BE1B14CF}"/>
+              </a:ext>
+            </a:extLst>
+          </p:cNvPr>
+          <p:cNvSpPr>
+            <a:spLocks noGrp="1"/>
+          </p:cNvSpPr>
+          <p:nvPr>
+            <p:ph type="title"/>
+          </p:nvPr>
+        </p:nvSpPr>
+        <p:spPr/>
+        <p:txBody>
+          <a:bodyPr/>
+          <a:lstStyle/>
+          <a:p>
+            <a:r>
+              <a:rPr lang="it-IT" dirty="0"/>
+              <a:t>Tester</a:t>
+            </a:r>
+          </a:p>
+        </p:txBody>
+      </p:sp>
+    </p:spTree>
+    <p:extLst>
+      <p:ext uri="{BB962C8B-B14F-4D97-AF65-F5344CB8AC3E}">
+        <p14:creationId xmlns:p14="http://schemas.microsoft.com/office/powerpoint/2010/main" val="1926368716"/>
+      </p:ext>
+    </p:extLst>
+  </p:cSld>
+  <p:clrMapOvr>
+    <a:masterClrMapping/>
+  </p:clrMapOvr>
+  <p:transition spd="slow">
+    <p:push/>
+  </p:transition>
+</p:sld>
+</file>
+
+<file path=ppt/slides/slide9.xml><?xml version="1.0" encoding="utf-8"?>
+<p:sld xmlns:a="http://schemas.openxmlformats.org/drawingml/2006/main" xmlns:r="http://schemas.openxmlformats.org/officeDocument/2006/relationships" xmlns:p="http://schemas.openxmlformats.org/presentationml/2006/main">
+  <p:cSld>
+    <p:bg>
+      <p:bgPr>
+        <a:solidFill>
+          <a:schemeClr val="bg1"/>
+        </a:solidFill>
+        <a:effectLst/>
+      </p:bgPr>
+    </p:bg>
+    <p:spTree>
+      <p:nvGrpSpPr>
+        <p:cNvPr id="1" name=""/>
+        <p:cNvGrpSpPr/>
+        <p:nvPr/>
+      </p:nvGrpSpPr>
+      <p:grpSpPr>
+        <a:xfrm>
+          <a:off x="0" y="0"/>
+          <a:ext cx="0" cy="0"/>
+          <a:chOff x="0" y="0"/>
+          <a:chExt cx="0" cy="0"/>
+        </a:xfrm>
+      </p:grpSpPr>
+      <p:sp>
+        <p:nvSpPr>
+          <p:cNvPr id="3" name="Title 2"/>
+          <p:cNvSpPr>
+            <a:spLocks noGrp="1"/>
+          </p:cNvSpPr>
+          <p:nvPr>
+            <p:ph type="title"/>
+          </p:nvPr>
+        </p:nvSpPr>
+        <p:spPr>
           <a:prstGeom prst="rect">
             <a:avLst/>
           </a:prstGeom>
@@ -14134,6 +16263,36 @@
                 <a:schemeClr val="bg1"/>
               </a:solidFill>
             </a:endParaRPr>
+          </a:p>
+        </p:txBody>
+      </p:sp>
+      <p:sp>
+        <p:nvSpPr>
+          <p:cNvPr id="18" name="Segnaposto numero diapositiva 2">
+            <a:extLst>
+              <a:ext uri="{FF2B5EF4-FFF2-40B4-BE49-F238E27FC236}">
+                <a16:creationId xmlns:a16="http://schemas.microsoft.com/office/drawing/2014/main" id="{75A838D5-6951-4456-BDD2-0F658F26606E}"/>
+              </a:ext>
+            </a:extLst>
+          </p:cNvPr>
+          <p:cNvSpPr>
+            <a:spLocks noGrp="1"/>
+          </p:cNvSpPr>
+          <p:nvPr>
+            <p:ph type="sldNum" sz="quarter" idx="4"/>
+          </p:nvPr>
+        </p:nvSpPr>
+        <p:spPr/>
+        <p:txBody>
+          <a:bodyPr/>
+          <a:lstStyle/>
+          <a:p>
+            <a:fld id="{936C95AE-7298-45E1-9514-94AFF5BED89B}" type="slidenum">
+              <a:rPr lang="en-US" sz="1800" smtClean="0"/>
+              <a:pPr/>
+              <a:t>9</a:t>
+            </a:fld>
+            <a:endParaRPr lang="en-US" sz="1800" dirty="0"/>
           </a:p>
         </p:txBody>
       </p:sp>
@@ -15231,263 +17390,10 @@
           </a:prstGeom>
         </p:spPr>
       </p:pic>
-      <p:sp>
-        <p:nvSpPr>
-          <p:cNvPr id="18" name="Segnaposto numero diapositiva 2">
-            <a:extLst>
-              <a:ext uri="{FF2B5EF4-FFF2-40B4-BE49-F238E27FC236}">
-                <a16:creationId xmlns:a16="http://schemas.microsoft.com/office/drawing/2014/main" id="{75A838D5-6951-4456-BDD2-0F658F26606E}"/>
-              </a:ext>
-            </a:extLst>
-          </p:cNvPr>
-          <p:cNvSpPr>
-            <a:spLocks noGrp="1"/>
-          </p:cNvSpPr>
-          <p:nvPr>
-            <p:ph type="sldNum" sz="quarter" idx="4"/>
-          </p:nvPr>
-        </p:nvSpPr>
-        <p:spPr>
-          <a:xfrm>
-            <a:off x="8189264" y="1346525"/>
-            <a:ext cx="543972" cy="365125"/>
-          </a:xfrm>
-        </p:spPr>
-        <p:txBody>
-          <a:bodyPr/>
-          <a:lstStyle/>
-          <a:p>
-            <a:fld id="{936C95AE-7298-45E1-9514-94AFF5BED89B}" type="slidenum">
-              <a:rPr lang="en-US" sz="1800" smtClean="0"/>
-              <a:pPr/>
-              <a:t>7</a:t>
-            </a:fld>
-            <a:endParaRPr lang="en-US" sz="1800" dirty="0"/>
-          </a:p>
-        </p:txBody>
-      </p:sp>
     </p:spTree>
     <p:extLst>
       <p:ext uri="{BB962C8B-B14F-4D97-AF65-F5344CB8AC3E}">
         <p14:creationId xmlns:p14="http://schemas.microsoft.com/office/powerpoint/2010/main" val="2070707654"/>
-      </p:ext>
-    </p:extLst>
-  </p:cSld>
-  <p:clrMapOvr>
-    <a:masterClrMapping/>
-  </p:clrMapOvr>
-  <p:transition spd="slow">
-    <p:push/>
-  </p:transition>
-</p:sld>
-</file>
-
-<file path=ppt/slides/slide8.xml><?xml version="1.0" encoding="utf-8"?>
-<p:sld xmlns:a="http://schemas.openxmlformats.org/drawingml/2006/main" xmlns:r="http://schemas.openxmlformats.org/officeDocument/2006/relationships" xmlns:p="http://schemas.openxmlformats.org/presentationml/2006/main">
-  <p:cSld>
-    <p:spTree>
-      <p:nvGrpSpPr>
-        <p:cNvPr id="1" name=""/>
-        <p:cNvGrpSpPr/>
-        <p:nvPr/>
-      </p:nvGrpSpPr>
-      <p:grpSpPr>
-        <a:xfrm>
-          <a:off x="0" y="0"/>
-          <a:ext cx="0" cy="0"/>
-          <a:chOff x="0" y="0"/>
-          <a:chExt cx="0" cy="0"/>
-        </a:xfrm>
-      </p:grpSpPr>
-      <p:sp>
-        <p:nvSpPr>
-          <p:cNvPr id="4" name="Titolo 3">
-            <a:extLst>
-              <a:ext uri="{FF2B5EF4-FFF2-40B4-BE49-F238E27FC236}">
-                <a16:creationId xmlns:a16="http://schemas.microsoft.com/office/drawing/2014/main" id="{82EADC77-394E-4192-B4F4-3C62BE1B14CF}"/>
-              </a:ext>
-            </a:extLst>
-          </p:cNvPr>
-          <p:cNvSpPr>
-            <a:spLocks noGrp="1"/>
-          </p:cNvSpPr>
-          <p:nvPr>
-            <p:ph type="title"/>
-          </p:nvPr>
-        </p:nvSpPr>
-        <p:spPr>
-          <a:xfrm>
-            <a:off x="225527" y="3046641"/>
-            <a:ext cx="4788924" cy="520010"/>
-          </a:xfrm>
-        </p:spPr>
-        <p:txBody>
-          <a:bodyPr/>
-          <a:lstStyle/>
-          <a:p>
-            <a:r>
-              <a:rPr lang="it-IT" dirty="0"/>
-              <a:t>Risultati tasso di successo</a:t>
-            </a:r>
-          </a:p>
-        </p:txBody>
-      </p:sp>
-    </p:spTree>
-    <p:extLst>
-      <p:ext uri="{BB962C8B-B14F-4D97-AF65-F5344CB8AC3E}">
-        <p14:creationId xmlns:p14="http://schemas.microsoft.com/office/powerpoint/2010/main" val="2779180273"/>
-      </p:ext>
-    </p:extLst>
-  </p:cSld>
-  <p:clrMapOvr>
-    <a:masterClrMapping/>
-  </p:clrMapOvr>
-  <p:transition spd="slow">
-    <p:push/>
-  </p:transition>
-</p:sld>
-</file>
-
-<file path=ppt/slides/slide9.xml><?xml version="1.0" encoding="utf-8"?>
-<p:sld xmlns:a="http://schemas.openxmlformats.org/drawingml/2006/main" xmlns:r="http://schemas.openxmlformats.org/officeDocument/2006/relationships" xmlns:p="http://schemas.openxmlformats.org/presentationml/2006/main">
-  <p:cSld>
-    <p:bg>
-      <p:bgPr>
-        <a:solidFill>
-          <a:schemeClr val="bg1"/>
-        </a:solidFill>
-        <a:effectLst/>
-      </p:bgPr>
-    </p:bg>
-    <p:spTree>
-      <p:nvGrpSpPr>
-        <p:cNvPr id="1" name=""/>
-        <p:cNvGrpSpPr/>
-        <p:nvPr/>
-      </p:nvGrpSpPr>
-      <p:grpSpPr>
-        <a:xfrm>
-          <a:off x="0" y="0"/>
-          <a:ext cx="0" cy="0"/>
-          <a:chOff x="0" y="0"/>
-          <a:chExt cx="0" cy="0"/>
-        </a:xfrm>
-      </p:grpSpPr>
-      <p:sp>
-        <p:nvSpPr>
-          <p:cNvPr id="2" name="Title 1"/>
-          <p:cNvSpPr>
-            <a:spLocks noGrp="1"/>
-          </p:cNvSpPr>
-          <p:nvPr>
-            <p:ph type="title" idx="4294967295"/>
-          </p:nvPr>
-        </p:nvSpPr>
-        <p:spPr>
-          <a:xfrm>
-            <a:off x="720725" y="573088"/>
-            <a:ext cx="8423275" cy="431800"/>
-          </a:xfrm>
-          <a:prstGeom prst="rect">
-            <a:avLst/>
-          </a:prstGeom>
-        </p:spPr>
-        <p:txBody>
-          <a:bodyPr/>
-          <a:lstStyle/>
-          <a:p>
-            <a:r>
-              <a:rPr lang="en-US" dirty="0">
-                <a:solidFill>
-                  <a:schemeClr val="bg1"/>
-                </a:solidFill>
-              </a:rPr>
-              <a:t>Tasso di </a:t>
-            </a:r>
-            <a:r>
-              <a:rPr lang="en-US" dirty="0" err="1">
-                <a:solidFill>
-                  <a:schemeClr val="bg1"/>
-                </a:solidFill>
-              </a:rPr>
-              <a:t>successo</a:t>
-            </a:r>
-            <a:endParaRPr lang="en-US" dirty="0">
-              <a:solidFill>
-                <a:schemeClr val="bg1"/>
-              </a:solidFill>
-            </a:endParaRPr>
-          </a:p>
-        </p:txBody>
-      </p:sp>
-      <p:pic>
-        <p:nvPicPr>
-          <p:cNvPr id="10" name="Immagine 9">
-            <a:extLst>
-              <a:ext uri="{FF2B5EF4-FFF2-40B4-BE49-F238E27FC236}">
-                <a16:creationId xmlns:a16="http://schemas.microsoft.com/office/drawing/2014/main" id="{5CAB1949-BE4D-4627-8161-C7D6AC44CFAF}"/>
-              </a:ext>
-            </a:extLst>
-          </p:cNvPr>
-          <p:cNvPicPr>
-            <a:picLocks noChangeAspect="1"/>
-          </p:cNvPicPr>
-          <p:nvPr/>
-        </p:nvPicPr>
-        <p:blipFill rotWithShape="1">
-          <a:blip r:embed="rId3"/>
-          <a:srcRect l="30645" t="28829" r="29785" b="25675"/>
-          <a:stretch/>
-        </p:blipFill>
-        <p:spPr>
-          <a:xfrm>
-            <a:off x="514246" y="1843771"/>
-            <a:ext cx="7764515" cy="4829361"/>
-          </a:xfrm>
-          <a:prstGeom prst="rect">
-            <a:avLst/>
-          </a:prstGeom>
-        </p:spPr>
-      </p:pic>
-      <p:sp>
-        <p:nvSpPr>
-          <p:cNvPr id="4" name="Segnaposto numero diapositiva 2">
-            <a:extLst>
-              <a:ext uri="{FF2B5EF4-FFF2-40B4-BE49-F238E27FC236}">
-                <a16:creationId xmlns:a16="http://schemas.microsoft.com/office/drawing/2014/main" id="{F1C37980-B6A0-4DE3-8CD8-18688219817D}"/>
-              </a:ext>
-            </a:extLst>
-          </p:cNvPr>
-          <p:cNvSpPr>
-            <a:spLocks noGrp="1"/>
-          </p:cNvSpPr>
-          <p:nvPr>
-            <p:ph type="sldNum" sz="quarter" idx="4"/>
-          </p:nvPr>
-        </p:nvSpPr>
-        <p:spPr>
-          <a:xfrm>
-            <a:off x="8189264" y="1346525"/>
-            <a:ext cx="543972" cy="365125"/>
-          </a:xfrm>
-        </p:spPr>
-        <p:txBody>
-          <a:bodyPr/>
-          <a:lstStyle/>
-          <a:p>
-            <a:fld id="{936C95AE-7298-45E1-9514-94AFF5BED89B}" type="slidenum">
-              <a:rPr lang="en-US" sz="1800" smtClean="0"/>
-              <a:pPr/>
-              <a:t>9</a:t>
-            </a:fld>
-            <a:endParaRPr lang="en-US" sz="1800" dirty="0"/>
-          </a:p>
-        </p:txBody>
-      </p:sp>
-    </p:spTree>
-    <p:extLst>
-      <p:ext uri="{BB962C8B-B14F-4D97-AF65-F5344CB8AC3E}">
-        <p14:creationId xmlns:p14="http://schemas.microsoft.com/office/powerpoint/2010/main" val="2970097179"/>
       </p:ext>
     </p:extLst>
   </p:cSld>
@@ -15845,76 +17751,16 @@
         <a:srgbClr val="37474F"/>
       </a:folHlink>
     </a:clrScheme>
-    <a:fontScheme name="Office">
+    <a:fontScheme name="Personalizzato 1">
       <a:majorFont>
-        <a:latin typeface="Calibri Light" panose="020F0302020204030204"/>
+        <a:latin typeface="Roboto Medium"/>
         <a:ea typeface=""/>
         <a:cs typeface=""/>
-        <a:font script="Jpan" typeface="ＭＳ Ｐゴシック"/>
-        <a:font script="Hang" typeface="맑은 고딕"/>
-        <a:font script="Hans" typeface="宋体"/>
-        <a:font script="Hant" typeface="新細明體"/>
-        <a:font script="Arab" typeface="Times New Roman"/>
-        <a:font script="Hebr" typeface="Times New Roman"/>
-        <a:font script="Thai" typeface="Angsana New"/>
-        <a:font script="Ethi" typeface="Nyala"/>
-        <a:font script="Beng" typeface="Vrinda"/>
-        <a:font script="Gujr" typeface="Shruti"/>
-        <a:font script="Khmr" typeface="MoolBoran"/>
-        <a:font script="Knda" typeface="Tunga"/>
-        <a:font script="Guru" typeface="Raavi"/>
-        <a:font script="Cans" typeface="Euphemia"/>
-        <a:font script="Cher" typeface="Plantagenet Cherokee"/>
-        <a:font script="Yiii" typeface="Microsoft Yi Baiti"/>
-        <a:font script="Tibt" typeface="Microsoft Himalaya"/>
-        <a:font script="Thaa" typeface="MV Boli"/>
-        <a:font script="Deva" typeface="Mangal"/>
-        <a:font script="Telu" typeface="Gautami"/>
-        <a:font script="Taml" typeface="Latha"/>
-        <a:font script="Syrc" typeface="Estrangelo Edessa"/>
-        <a:font script="Orya" typeface="Kalinga"/>
-        <a:font script="Mlym" typeface="Kartika"/>
-        <a:font script="Laoo" typeface="DokChampa"/>
-        <a:font script="Sinh" typeface="Iskoola Pota"/>
-        <a:font script="Mong" typeface="Mongolian Baiti"/>
-        <a:font script="Viet" typeface="Times New Roman"/>
-        <a:font script="Uigh" typeface="Microsoft Uighur"/>
-        <a:font script="Geor" typeface="Sylfaen"/>
       </a:majorFont>
       <a:minorFont>
-        <a:latin typeface="Calibri" panose="020F0502020204030204"/>
+        <a:latin typeface="Roboto Light"/>
         <a:ea typeface=""/>
         <a:cs typeface=""/>
-        <a:font script="Jpan" typeface="ＭＳ Ｐゴシック"/>
-        <a:font script="Hang" typeface="맑은 고딕"/>
-        <a:font script="Hans" typeface="宋体"/>
-        <a:font script="Hant" typeface="新細明體"/>
-        <a:font script="Arab" typeface="Arial"/>
-        <a:font script="Hebr" typeface="Arial"/>
-        <a:font script="Thai" typeface="Cordia New"/>
-        <a:font script="Ethi" typeface="Nyala"/>
-        <a:font script="Beng" typeface="Vrinda"/>
-        <a:font script="Gujr" typeface="Shruti"/>
-        <a:font script="Khmr" typeface="DaunPenh"/>
-        <a:font script="Knda" typeface="Tunga"/>
-        <a:font script="Guru" typeface="Raavi"/>
-        <a:font script="Cans" typeface="Euphemia"/>
-        <a:font script="Cher" typeface="Plantagenet Cherokee"/>
-        <a:font script="Yiii" typeface="Microsoft Yi Baiti"/>
-        <a:font script="Tibt" typeface="Microsoft Himalaya"/>
-        <a:font script="Thaa" typeface="MV Boli"/>
-        <a:font script="Deva" typeface="Mangal"/>
-        <a:font script="Telu" typeface="Gautami"/>
-        <a:font script="Taml" typeface="Latha"/>
-        <a:font script="Syrc" typeface="Estrangelo Edessa"/>
-        <a:font script="Orya" typeface="Kalinga"/>
-        <a:font script="Mlym" typeface="Kartika"/>
-        <a:font script="Laoo" typeface="DokChampa"/>
-        <a:font script="Sinh" typeface="Iskoola Pota"/>
-        <a:font script="Mong" typeface="Mongolian Baiti"/>
-        <a:font script="Viet" typeface="Arial"/>
-        <a:font script="Uigh" typeface="Microsoft Uighur"/>
-        <a:font script="Geor" typeface="Sylfaen"/>
       </a:minorFont>
     </a:fontScheme>
     <a:fmtScheme name="Office">

--- a/presentation/Presentazione IUM.pptx
+++ b/presentation/Presentazione IUM.pptx
@@ -1279,6 +1279,22 @@
           <cx:pt idx="3">Tester</cx:pt>
           <cx:pt idx="4">Tester</cx:pt>
           <cx:pt idx="5">Tester</cx:pt>
+          <cx:pt idx="6"/>
+          <cx:pt idx="7"/>
+          <cx:pt idx="8"/>
+          <cx:pt idx="9"/>
+          <cx:pt idx="10"/>
+          <cx:pt idx="11"/>
+          <cx:pt idx="12"/>
+          <cx:pt idx="13"/>
+          <cx:pt idx="14"/>
+          <cx:pt idx="15"/>
+          <cx:pt idx="16"/>
+          <cx:pt idx="17"/>
+          <cx:pt idx="18"/>
+          <cx:pt idx="19"/>
+          <cx:pt idx="20"/>
+          <cx:pt idx="21"/>
         </cx:lvl>
       </cx:strDim>
       <cx:numDim type="val">
@@ -1303,6 +1319,22 @@
           <cx:pt idx="3">Tester</cx:pt>
           <cx:pt idx="4">Tester</cx:pt>
           <cx:pt idx="5">Tester</cx:pt>
+          <cx:pt idx="6"/>
+          <cx:pt idx="7"/>
+          <cx:pt idx="8"/>
+          <cx:pt idx="9"/>
+          <cx:pt idx="10"/>
+          <cx:pt idx="11"/>
+          <cx:pt idx="12"/>
+          <cx:pt idx="13"/>
+          <cx:pt idx="14"/>
+          <cx:pt idx="15"/>
+          <cx:pt idx="16"/>
+          <cx:pt idx="17"/>
+          <cx:pt idx="18"/>
+          <cx:pt idx="19"/>
+          <cx:pt idx="20"/>
+          <cx:pt idx="21"/>
         </cx:lvl>
       </cx:strDim>
       <cx:numDim type="val">
@@ -1320,6 +1352,22 @@
           <cx:pt idx="3">Tester</cx:pt>
           <cx:pt idx="4">Tester</cx:pt>
           <cx:pt idx="5">Tester</cx:pt>
+          <cx:pt idx="6"/>
+          <cx:pt idx="7"/>
+          <cx:pt idx="8"/>
+          <cx:pt idx="9"/>
+          <cx:pt idx="10"/>
+          <cx:pt idx="11"/>
+          <cx:pt idx="12"/>
+          <cx:pt idx="13"/>
+          <cx:pt idx="14"/>
+          <cx:pt idx="15"/>
+          <cx:pt idx="16"/>
+          <cx:pt idx="17"/>
+          <cx:pt idx="18"/>
+          <cx:pt idx="19"/>
+          <cx:pt idx="20"/>
+          <cx:pt idx="21"/>
         </cx:lvl>
       </cx:strDim>
       <cx:numDim type="val">
@@ -1376,7 +1424,7 @@
           </cx:layoutPr>
         </cx:series>
       </cx:plotAreaRegion>
-      <cx:axis id="0">
+      <cx:axis id="0" hidden="1">
         <cx:catScaling gapWidth="1"/>
         <cx:tickLabels/>
       </cx:axis>
@@ -14056,14 +14104,14 @@
           <p:nvPr>
             <p:extLst>
               <p:ext uri="{D42A27DB-BD31-4B8C-83A1-F6EECF244321}">
-                <p14:modId xmlns:p14="http://schemas.microsoft.com/office/powerpoint/2010/main" val="201070050"/>
+                <p14:modId xmlns:p14="http://schemas.microsoft.com/office/powerpoint/2010/main" val="1880104990"/>
               </p:ext>
             </p:extLst>
           </p:nvPr>
         </p:nvGraphicFramePr>
         <p:xfrm>
-          <a:off x="117986" y="2123768"/>
-          <a:ext cx="4434347" cy="3352799"/>
+          <a:off x="267275" y="2123768"/>
+          <a:ext cx="4705941" cy="3352799"/>
         </p:xfrm>
         <a:graphic>
           <a:graphicData uri="http://schemas.openxmlformats.org/drawingml/2006/chart">
@@ -14101,13 +14149,13 @@
           <a:p>
             <a:r>
               <a:rPr lang="it-IT" dirty="0"/>
-              <a:t>Score NPS= -83</a:t>
-            </a:r>
-          </a:p>
-        </p:txBody>
-      </p:sp>
-      <mc:AlternateContent xmlns:mc="http://schemas.openxmlformats.org/markup-compatibility/2006" xmlns:cx1="http://schemas.microsoft.com/office/drawing/2015/9/8/chartex">
-        <mc:Choice Requires="cx1">
+              <a:t>Score NPS: -83</a:t>
+            </a:r>
+          </a:p>
+        </p:txBody>
+      </p:sp>
+      <mc:AlternateContent xmlns:mc="http://schemas.openxmlformats.org/markup-compatibility/2006">
+        <mc:Choice xmlns:cx1="http://schemas.microsoft.com/office/drawing/2015/9/8/chartex" Requires="cx1">
           <p:graphicFrame>
             <p:nvGraphicFramePr>
               <p:cNvPr id="5" name="Grafico 4">
@@ -14121,14 +14169,14 @@
               <p:nvPr>
                 <p:extLst>
                   <p:ext uri="{D42A27DB-BD31-4B8C-83A1-F6EECF244321}">
-                    <p14:modId xmlns:p14="http://schemas.microsoft.com/office/powerpoint/2010/main" val="647009208"/>
+                    <p14:modId xmlns:p14="http://schemas.microsoft.com/office/powerpoint/2010/main" val="4156915705"/>
                   </p:ext>
                 </p:extLst>
               </p:nvPr>
             </p:nvGraphicFramePr>
             <p:xfrm>
-              <a:off x="4591669" y="2123768"/>
-              <a:ext cx="4141567" cy="3387708"/>
+              <a:off x="5350939" y="2123768"/>
+              <a:ext cx="3382297" cy="3387708"/>
             </p:xfrm>
             <a:graphic>
               <a:graphicData uri="http://schemas.microsoft.com/office/drawing/2014/chartex">
@@ -14137,7 +14185,7 @@
             </a:graphic>
           </p:graphicFrame>
         </mc:Choice>
-        <mc:Fallback xmlns="">
+        <mc:Fallback>
           <p:pic>
             <p:nvPicPr>
               <p:cNvPr id="5" name="Grafico 4">
@@ -14160,8 +14208,8 @@
             </p:blipFill>
             <p:spPr>
               <a:xfrm>
-                <a:off x="4591669" y="2123768"/>
-                <a:ext cx="4141567" cy="3387708"/>
+                <a:off x="5350939" y="2123768"/>
+                <a:ext cx="3382297" cy="3387708"/>
               </a:xfrm>
               <a:prstGeom prst="rect">
                 <a:avLst/>

--- a/presentation/Presentazione IUM.pptx
+++ b/presentation/Presentazione IUM.pptx
@@ -1279,22 +1279,6 @@
           <cx:pt idx="3">Tester</cx:pt>
           <cx:pt idx="4">Tester</cx:pt>
           <cx:pt idx="5">Tester</cx:pt>
-          <cx:pt idx="6"/>
-          <cx:pt idx="7"/>
-          <cx:pt idx="8"/>
-          <cx:pt idx="9"/>
-          <cx:pt idx="10"/>
-          <cx:pt idx="11"/>
-          <cx:pt idx="12"/>
-          <cx:pt idx="13"/>
-          <cx:pt idx="14"/>
-          <cx:pt idx="15"/>
-          <cx:pt idx="16"/>
-          <cx:pt idx="17"/>
-          <cx:pt idx="18"/>
-          <cx:pt idx="19"/>
-          <cx:pt idx="20"/>
-          <cx:pt idx="21"/>
         </cx:lvl>
       </cx:strDim>
       <cx:numDim type="val">
@@ -1319,22 +1303,6 @@
           <cx:pt idx="3">Tester</cx:pt>
           <cx:pt idx="4">Tester</cx:pt>
           <cx:pt idx="5">Tester</cx:pt>
-          <cx:pt idx="6"/>
-          <cx:pt idx="7"/>
-          <cx:pt idx="8"/>
-          <cx:pt idx="9"/>
-          <cx:pt idx="10"/>
-          <cx:pt idx="11"/>
-          <cx:pt idx="12"/>
-          <cx:pt idx="13"/>
-          <cx:pt idx="14"/>
-          <cx:pt idx="15"/>
-          <cx:pt idx="16"/>
-          <cx:pt idx="17"/>
-          <cx:pt idx="18"/>
-          <cx:pt idx="19"/>
-          <cx:pt idx="20"/>
-          <cx:pt idx="21"/>
         </cx:lvl>
       </cx:strDim>
       <cx:numDim type="val">
@@ -1352,22 +1320,6 @@
           <cx:pt idx="3">Tester</cx:pt>
           <cx:pt idx="4">Tester</cx:pt>
           <cx:pt idx="5">Tester</cx:pt>
-          <cx:pt idx="6"/>
-          <cx:pt idx="7"/>
-          <cx:pt idx="8"/>
-          <cx:pt idx="9"/>
-          <cx:pt idx="10"/>
-          <cx:pt idx="11"/>
-          <cx:pt idx="12"/>
-          <cx:pt idx="13"/>
-          <cx:pt idx="14"/>
-          <cx:pt idx="15"/>
-          <cx:pt idx="16"/>
-          <cx:pt idx="17"/>
-          <cx:pt idx="18"/>
-          <cx:pt idx="19"/>
-          <cx:pt idx="20"/>
-          <cx:pt idx="21"/>
         </cx:lvl>
       </cx:strDim>
       <cx:numDim type="val">
@@ -14133,8 +14085,8 @@
         </p:nvSpPr>
         <p:spPr>
           <a:xfrm>
-            <a:off x="3932904" y="5877939"/>
-            <a:ext cx="3382297" cy="369332"/>
+            <a:off x="0" y="5877939"/>
+            <a:ext cx="9144000" cy="369332"/>
           </a:xfrm>
           <a:prstGeom prst="rect">
             <a:avLst/>
@@ -14147,6 +14099,7 @@
           </a:bodyPr>
           <a:lstStyle/>
           <a:p>
+            <a:pPr algn="ctr"/>
             <a:r>
               <a:rPr lang="it-IT" dirty="0"/>
               <a:t>Score NPS: -83</a:t>
@@ -14154,8 +14107,8 @@
           </a:p>
         </p:txBody>
       </p:sp>
-      <mc:AlternateContent xmlns:mc="http://schemas.openxmlformats.org/markup-compatibility/2006">
-        <mc:Choice xmlns:cx1="http://schemas.microsoft.com/office/drawing/2015/9/8/chartex" Requires="cx1">
+      <mc:AlternateContent xmlns:mc="http://schemas.openxmlformats.org/markup-compatibility/2006" xmlns:cx1="http://schemas.microsoft.com/office/drawing/2015/9/8/chartex">
+        <mc:Choice Requires="cx1">
           <p:graphicFrame>
             <p:nvGraphicFramePr>
               <p:cNvPr id="5" name="Grafico 4">
@@ -14185,7 +14138,7 @@
             </a:graphic>
           </p:graphicFrame>
         </mc:Choice>
-        <mc:Fallback>
+        <mc:Fallback xmlns="">
           <p:pic>
             <p:nvPicPr>
               <p:cNvPr id="5" name="Grafico 4">
@@ -14348,32 +14301,37 @@
               <a:t>SUS (</a:t>
             </a:r>
             <a:r>
+              <a:rPr lang="it-IT" dirty="0">
+                <a:solidFill>
+                  <a:schemeClr val="bg1"/>
+                </a:solidFill>
+              </a:rPr>
+              <a:t>System </a:t>
+            </a:r>
+            <a:r>
+              <a:rPr lang="it-IT" dirty="0" err="1">
+                <a:solidFill>
+                  <a:schemeClr val="bg1"/>
+                </a:solidFill>
+              </a:rPr>
+              <a:t>Usability</a:t>
+            </a:r>
+            <a:r>
+              <a:rPr lang="it-IT" dirty="0">
+                <a:solidFill>
+                  <a:schemeClr val="bg1"/>
+                </a:solidFill>
+              </a:rPr>
+              <a:t> Scale</a:t>
+            </a:r>
+            <a:r>
               <a:rPr lang="it-IT" b="1" dirty="0">
                 <a:solidFill>
                   <a:schemeClr val="bg1"/>
                 </a:solidFill>
               </a:rPr>
-              <a:t>System </a:t>
-            </a:r>
-            <a:r>
-              <a:rPr lang="it-IT" b="1" dirty="0" err="1">
-                <a:solidFill>
-                  <a:schemeClr val="bg1"/>
-                </a:solidFill>
-              </a:rPr>
-              <a:t>Usability</a:t>
-            </a:r>
-            <a:r>
-              <a:rPr lang="it-IT" b="1" dirty="0">
-                <a:solidFill>
-                  <a:schemeClr val="bg1"/>
-                </a:solidFill>
-              </a:rPr>
-              <a:t> Scale)</a:t>
-            </a:r>
-            <a:br>
-              <a:rPr lang="it-IT" b="1" dirty="0"/>
-            </a:br>
+              <a:t>)</a:t>
+            </a:r>
             <a:endParaRPr lang="en-US" dirty="0">
               <a:solidFill>
                 <a:schemeClr val="bg1"/>
@@ -14382,6 +14340,86 @@
           </a:p>
         </p:txBody>
       </p:sp>
+      <p:sp>
+        <p:nvSpPr>
+          <p:cNvPr id="3" name="CasellaDiTesto 2">
+            <a:extLst>
+              <a:ext uri="{FF2B5EF4-FFF2-40B4-BE49-F238E27FC236}">
+                <a16:creationId xmlns:a16="http://schemas.microsoft.com/office/drawing/2014/main" id="{B22BA28B-097D-4AC7-BBB0-2442754A6127}"/>
+              </a:ext>
+            </a:extLst>
+          </p:cNvPr>
+          <p:cNvSpPr txBox="1"/>
+          <p:nvPr/>
+        </p:nvSpPr>
+        <p:spPr>
+          <a:xfrm>
+            <a:off x="0" y="5877939"/>
+            <a:ext cx="9144000" cy="584775"/>
+          </a:xfrm>
+          <a:prstGeom prst="rect">
+            <a:avLst/>
+          </a:prstGeom>
+          <a:noFill/>
+        </p:spPr>
+        <p:txBody>
+          <a:bodyPr wrap="square" rtlCol="0">
+            <a:spAutoFit/>
+          </a:bodyPr>
+          <a:lstStyle/>
+          <a:p>
+            <a:pPr algn="ctr"/>
+            <a:r>
+              <a:rPr lang="it-IT" dirty="0"/>
+              <a:t>Score medio SUS: 29.17</a:t>
+            </a:r>
+          </a:p>
+          <a:p>
+            <a:pPr algn="ctr"/>
+            <a:r>
+              <a:rPr lang="it-IT" sz="1400" dirty="0"/>
+              <a:t>Deviazione standard: 14.91</a:t>
+            </a:r>
+            <a:endParaRPr lang="it-IT" dirty="0"/>
+          </a:p>
+        </p:txBody>
+      </p:sp>
+      <p:pic>
+        <p:nvPicPr>
+          <p:cNvPr id="5" name="Immagine 4">
+            <a:extLst>
+              <a:ext uri="{FF2B5EF4-FFF2-40B4-BE49-F238E27FC236}">
+                <a16:creationId xmlns:a16="http://schemas.microsoft.com/office/drawing/2014/main" id="{C0276909-2FED-4B0F-A279-E1FC79ACD4FE}"/>
+              </a:ext>
+            </a:extLst>
+          </p:cNvPr>
+          <p:cNvPicPr>
+            <a:picLocks noChangeAspect="1"/>
+          </p:cNvPicPr>
+          <p:nvPr/>
+        </p:nvPicPr>
+        <p:blipFill>
+          <a:blip r:embed="rId3">
+            <a:extLst>
+              <a:ext uri="{28A0092B-C50C-407E-A947-70E740481C1C}">
+                <a14:useLocalDpi xmlns:a14="http://schemas.microsoft.com/office/drawing/2010/main" val="0"/>
+              </a:ext>
+            </a:extLst>
+          </a:blip>
+          <a:stretch>
+            <a:fillRect/>
+          </a:stretch>
+        </p:blipFill>
+        <p:spPr>
+          <a:xfrm>
+            <a:off x="0" y="1259590"/>
+            <a:ext cx="9144000" cy="4338820"/>
+          </a:xfrm>
+          <a:prstGeom prst="rect">
+            <a:avLst/>
+          </a:prstGeom>
+        </p:spPr>
+      </p:pic>
     </p:spTree>
     <p:extLst>
       <p:ext uri="{BB962C8B-B14F-4D97-AF65-F5344CB8AC3E}">
